--- a/Presentation_4Chain_Hackathon_Santos.pptx
+++ b/Presentation_4Chain_Hackathon_Santos.pptx
@@ -4,9 +4,17 @@
   <p:sldMasterIdLst>
     <p:sldMasterId id="2147483648" r:id="rId1"/>
   </p:sldMasterIdLst>
+  <p:notesMasterIdLst>
+    <p:notesMasterId r:id="rId9"/>
+  </p:notesMasterIdLst>
   <p:sldIdLst>
     <p:sldId id="257" r:id="rId2"/>
-    <p:sldId id="258" r:id="rId3"/>
+    <p:sldId id="259" r:id="rId3"/>
+    <p:sldId id="258" r:id="rId4"/>
+    <p:sldId id="260" r:id="rId5"/>
+    <p:sldId id="262" r:id="rId6"/>
+    <p:sldId id="263" r:id="rId7"/>
+    <p:sldId id="261" r:id="rId8"/>
   </p:sldIdLst>
   <p:sldSz cx="12192000" cy="6858000"/>
   <p:notesSz cx="6858000" cy="9144000"/>
@@ -105,7 +113,697 @@
       </a:defRPr>
     </a:lvl9pPr>
   </p:defaultTextStyle>
+  <p:extLst>
+    <p:ext uri="{EFAFB233-063F-42B5-8137-9DF3F51BA10A}">
+      <p15:sldGuideLst xmlns:p15="http://schemas.microsoft.com/office/powerpoint/2012/main"/>
+    </p:ext>
+  </p:extLst>
 </p:presentation>
+</file>
+
+<file path=ppt/notesMasters/notesMaster1.xml><?xml version="1.0" encoding="utf-8"?>
+<p:notesMaster xmlns:a="http://schemas.openxmlformats.org/drawingml/2006/main" xmlns:r="http://schemas.openxmlformats.org/officeDocument/2006/relationships" xmlns:p="http://schemas.openxmlformats.org/presentationml/2006/main">
+  <p:cSld>
+    <p:bg>
+      <p:bgRef idx="1001">
+        <a:schemeClr val="bg1"/>
+      </p:bgRef>
+    </p:bg>
+    <p:spTree>
+      <p:nvGrpSpPr>
+        <p:cNvPr id="1" name=""/>
+        <p:cNvGrpSpPr/>
+        <p:nvPr/>
+      </p:nvGrpSpPr>
+      <p:grpSpPr>
+        <a:xfrm>
+          <a:off x="0" y="0"/>
+          <a:ext cx="0" cy="0"/>
+          <a:chOff x="0" y="0"/>
+          <a:chExt cx="0" cy="0"/>
+        </a:xfrm>
+      </p:grpSpPr>
+      <p:sp>
+        <p:nvSpPr>
+          <p:cNvPr id="2" name="Espaço Reservado para Cabeçalho 1"/>
+          <p:cNvSpPr>
+            <a:spLocks noGrp="1"/>
+          </p:cNvSpPr>
+          <p:nvPr>
+            <p:ph type="hdr" sz="quarter"/>
+          </p:nvPr>
+        </p:nvSpPr>
+        <p:spPr>
+          <a:xfrm>
+            <a:off x="0" y="0"/>
+            <a:ext cx="2971800" cy="458788"/>
+          </a:xfrm>
+          <a:prstGeom prst="rect">
+            <a:avLst/>
+          </a:prstGeom>
+        </p:spPr>
+        <p:txBody>
+          <a:bodyPr vert="horz" lIns="91440" tIns="45720" rIns="91440" bIns="45720" rtlCol="0"/>
+          <a:lstStyle>
+            <a:lvl1pPr algn="l">
+              <a:defRPr sz="1200"/>
+            </a:lvl1pPr>
+          </a:lstStyle>
+          <a:p>
+            <a:endParaRPr lang="pt-BR"/>
+          </a:p>
+        </p:txBody>
+      </p:sp>
+      <p:sp>
+        <p:nvSpPr>
+          <p:cNvPr id="3" name="Espaço Reservado para Data 2"/>
+          <p:cNvSpPr>
+            <a:spLocks noGrp="1"/>
+          </p:cNvSpPr>
+          <p:nvPr>
+            <p:ph type="dt" idx="1"/>
+          </p:nvPr>
+        </p:nvSpPr>
+        <p:spPr>
+          <a:xfrm>
+            <a:off x="3884613" y="0"/>
+            <a:ext cx="2971800" cy="458788"/>
+          </a:xfrm>
+          <a:prstGeom prst="rect">
+            <a:avLst/>
+          </a:prstGeom>
+        </p:spPr>
+        <p:txBody>
+          <a:bodyPr vert="horz" lIns="91440" tIns="45720" rIns="91440" bIns="45720" rtlCol="0"/>
+          <a:lstStyle>
+            <a:lvl1pPr algn="r">
+              <a:defRPr sz="1200"/>
+            </a:lvl1pPr>
+          </a:lstStyle>
+          <a:p>
+            <a:fld id="{B3639774-C580-4B7E-B2BB-211108EA6D9C}" type="datetimeFigureOut">
+              <a:rPr lang="pt-BR" smtClean="0"/>
+              <a:t>25/03/2019</a:t>
+            </a:fld>
+            <a:endParaRPr lang="pt-BR"/>
+          </a:p>
+        </p:txBody>
+      </p:sp>
+      <p:sp>
+        <p:nvSpPr>
+          <p:cNvPr id="4" name="Espaço Reservado para Imagem de Slide 3"/>
+          <p:cNvSpPr>
+            <a:spLocks noGrp="1" noRot="1" noChangeAspect="1"/>
+          </p:cNvSpPr>
+          <p:nvPr>
+            <p:ph type="sldImg" idx="2"/>
+          </p:nvPr>
+        </p:nvSpPr>
+        <p:spPr>
+          <a:xfrm>
+            <a:off x="685800" y="1143000"/>
+            <a:ext cx="5486400" cy="3086100"/>
+          </a:xfrm>
+          <a:prstGeom prst="rect">
+            <a:avLst/>
+          </a:prstGeom>
+          <a:noFill/>
+          <a:ln w="12700">
+            <a:solidFill>
+              <a:prstClr val="black"/>
+            </a:solidFill>
+          </a:ln>
+        </p:spPr>
+        <p:txBody>
+          <a:bodyPr vert="horz" lIns="91440" tIns="45720" rIns="91440" bIns="45720" rtlCol="0" anchor="ctr"/>
+          <a:lstStyle/>
+          <a:p>
+            <a:endParaRPr lang="pt-BR"/>
+          </a:p>
+        </p:txBody>
+      </p:sp>
+      <p:sp>
+        <p:nvSpPr>
+          <p:cNvPr id="5" name="Espaço Reservado para Anotações 4"/>
+          <p:cNvSpPr>
+            <a:spLocks noGrp="1"/>
+          </p:cNvSpPr>
+          <p:nvPr>
+            <p:ph type="body" sz="quarter" idx="3"/>
+          </p:nvPr>
+        </p:nvSpPr>
+        <p:spPr>
+          <a:xfrm>
+            <a:off x="685800" y="4400550"/>
+            <a:ext cx="5486400" cy="3600450"/>
+          </a:xfrm>
+          <a:prstGeom prst="rect">
+            <a:avLst/>
+          </a:prstGeom>
+        </p:spPr>
+        <p:txBody>
+          <a:bodyPr vert="horz" lIns="91440" tIns="45720" rIns="91440" bIns="45720" rtlCol="0"/>
+          <a:lstStyle/>
+          <a:p>
+            <a:pPr lvl="0"/>
+            <a:r>
+              <a:rPr lang="pt-BR"/>
+              <a:t>Editar estilos de texto Mestre</a:t>
+            </a:r>
+          </a:p>
+          <a:p>
+            <a:pPr lvl="1"/>
+            <a:r>
+              <a:rPr lang="pt-BR"/>
+              <a:t>Segundo nível</a:t>
+            </a:r>
+          </a:p>
+          <a:p>
+            <a:pPr lvl="2"/>
+            <a:r>
+              <a:rPr lang="pt-BR"/>
+              <a:t>Terceiro nível</a:t>
+            </a:r>
+          </a:p>
+          <a:p>
+            <a:pPr lvl="3"/>
+            <a:r>
+              <a:rPr lang="pt-BR"/>
+              <a:t>Quarto nível</a:t>
+            </a:r>
+          </a:p>
+          <a:p>
+            <a:pPr lvl="4"/>
+            <a:r>
+              <a:rPr lang="pt-BR"/>
+              <a:t>Quinto nível</a:t>
+            </a:r>
+          </a:p>
+        </p:txBody>
+      </p:sp>
+      <p:sp>
+        <p:nvSpPr>
+          <p:cNvPr id="6" name="Espaço Reservado para Rodapé 5"/>
+          <p:cNvSpPr>
+            <a:spLocks noGrp="1"/>
+          </p:cNvSpPr>
+          <p:nvPr>
+            <p:ph type="ftr" sz="quarter" idx="4"/>
+          </p:nvPr>
+        </p:nvSpPr>
+        <p:spPr>
+          <a:xfrm>
+            <a:off x="0" y="8685213"/>
+            <a:ext cx="2971800" cy="458787"/>
+          </a:xfrm>
+          <a:prstGeom prst="rect">
+            <a:avLst/>
+          </a:prstGeom>
+        </p:spPr>
+        <p:txBody>
+          <a:bodyPr vert="horz" lIns="91440" tIns="45720" rIns="91440" bIns="45720" rtlCol="0" anchor="b"/>
+          <a:lstStyle>
+            <a:lvl1pPr algn="l">
+              <a:defRPr sz="1200"/>
+            </a:lvl1pPr>
+          </a:lstStyle>
+          <a:p>
+            <a:endParaRPr lang="pt-BR"/>
+          </a:p>
+        </p:txBody>
+      </p:sp>
+      <p:sp>
+        <p:nvSpPr>
+          <p:cNvPr id="7" name="Espaço Reservado para Número de Slide 6"/>
+          <p:cNvSpPr>
+            <a:spLocks noGrp="1"/>
+          </p:cNvSpPr>
+          <p:nvPr>
+            <p:ph type="sldNum" sz="quarter" idx="5"/>
+          </p:nvPr>
+        </p:nvSpPr>
+        <p:spPr>
+          <a:xfrm>
+            <a:off x="3884613" y="8685213"/>
+            <a:ext cx="2971800" cy="458787"/>
+          </a:xfrm>
+          <a:prstGeom prst="rect">
+            <a:avLst/>
+          </a:prstGeom>
+        </p:spPr>
+        <p:txBody>
+          <a:bodyPr vert="horz" lIns="91440" tIns="45720" rIns="91440" bIns="45720" rtlCol="0" anchor="b"/>
+          <a:lstStyle>
+            <a:lvl1pPr algn="r">
+              <a:defRPr sz="1200"/>
+            </a:lvl1pPr>
+          </a:lstStyle>
+          <a:p>
+            <a:fld id="{60A0A7ED-5641-4ADF-AA57-30826761D258}" type="slidenum">
+              <a:rPr lang="pt-BR" smtClean="0"/>
+              <a:t>‹nº›</a:t>
+            </a:fld>
+            <a:endParaRPr lang="pt-BR"/>
+          </a:p>
+        </p:txBody>
+      </p:sp>
+    </p:spTree>
+    <p:extLst>
+      <p:ext uri="{BB962C8B-B14F-4D97-AF65-F5344CB8AC3E}">
+        <p14:creationId xmlns:p14="http://schemas.microsoft.com/office/powerpoint/2010/main" val="3047050689"/>
+      </p:ext>
+    </p:extLst>
+  </p:cSld>
+  <p:clrMap bg1="lt1" tx1="dk1" bg2="lt2" tx2="dk2" accent1="accent1" accent2="accent2" accent3="accent3" accent4="accent4" accent5="accent5" accent6="accent6" hlink="hlink" folHlink="folHlink"/>
+  <p:notesStyle>
+    <a:lvl1pPr marL="0" algn="l" defTabSz="914400" rtl="0" eaLnBrk="1" latinLnBrk="0" hangingPunct="1">
+      <a:defRPr sz="1200" kern="1200">
+        <a:solidFill>
+          <a:schemeClr val="tx1"/>
+        </a:solidFill>
+        <a:latin typeface="+mn-lt"/>
+        <a:ea typeface="+mn-ea"/>
+        <a:cs typeface="+mn-cs"/>
+      </a:defRPr>
+    </a:lvl1pPr>
+    <a:lvl2pPr marL="457200" algn="l" defTabSz="914400" rtl="0" eaLnBrk="1" latinLnBrk="0" hangingPunct="1">
+      <a:defRPr sz="1200" kern="1200">
+        <a:solidFill>
+          <a:schemeClr val="tx1"/>
+        </a:solidFill>
+        <a:latin typeface="+mn-lt"/>
+        <a:ea typeface="+mn-ea"/>
+        <a:cs typeface="+mn-cs"/>
+      </a:defRPr>
+    </a:lvl2pPr>
+    <a:lvl3pPr marL="914400" algn="l" defTabSz="914400" rtl="0" eaLnBrk="1" latinLnBrk="0" hangingPunct="1">
+      <a:defRPr sz="1200" kern="1200">
+        <a:solidFill>
+          <a:schemeClr val="tx1"/>
+        </a:solidFill>
+        <a:latin typeface="+mn-lt"/>
+        <a:ea typeface="+mn-ea"/>
+        <a:cs typeface="+mn-cs"/>
+      </a:defRPr>
+    </a:lvl3pPr>
+    <a:lvl4pPr marL="1371600" algn="l" defTabSz="914400" rtl="0" eaLnBrk="1" latinLnBrk="0" hangingPunct="1">
+      <a:defRPr sz="1200" kern="1200">
+        <a:solidFill>
+          <a:schemeClr val="tx1"/>
+        </a:solidFill>
+        <a:latin typeface="+mn-lt"/>
+        <a:ea typeface="+mn-ea"/>
+        <a:cs typeface="+mn-cs"/>
+      </a:defRPr>
+    </a:lvl4pPr>
+    <a:lvl5pPr marL="1828800" algn="l" defTabSz="914400" rtl="0" eaLnBrk="1" latinLnBrk="0" hangingPunct="1">
+      <a:defRPr sz="1200" kern="1200">
+        <a:solidFill>
+          <a:schemeClr val="tx1"/>
+        </a:solidFill>
+        <a:latin typeface="+mn-lt"/>
+        <a:ea typeface="+mn-ea"/>
+        <a:cs typeface="+mn-cs"/>
+      </a:defRPr>
+    </a:lvl5pPr>
+    <a:lvl6pPr marL="2286000" algn="l" defTabSz="914400" rtl="0" eaLnBrk="1" latinLnBrk="0" hangingPunct="1">
+      <a:defRPr sz="1200" kern="1200">
+        <a:solidFill>
+          <a:schemeClr val="tx1"/>
+        </a:solidFill>
+        <a:latin typeface="+mn-lt"/>
+        <a:ea typeface="+mn-ea"/>
+        <a:cs typeface="+mn-cs"/>
+      </a:defRPr>
+    </a:lvl6pPr>
+    <a:lvl7pPr marL="2743200" algn="l" defTabSz="914400" rtl="0" eaLnBrk="1" latinLnBrk="0" hangingPunct="1">
+      <a:defRPr sz="1200" kern="1200">
+        <a:solidFill>
+          <a:schemeClr val="tx1"/>
+        </a:solidFill>
+        <a:latin typeface="+mn-lt"/>
+        <a:ea typeface="+mn-ea"/>
+        <a:cs typeface="+mn-cs"/>
+      </a:defRPr>
+    </a:lvl7pPr>
+    <a:lvl8pPr marL="3200400" algn="l" defTabSz="914400" rtl="0" eaLnBrk="1" latinLnBrk="0" hangingPunct="1">
+      <a:defRPr sz="1200" kern="1200">
+        <a:solidFill>
+          <a:schemeClr val="tx1"/>
+        </a:solidFill>
+        <a:latin typeface="+mn-lt"/>
+        <a:ea typeface="+mn-ea"/>
+        <a:cs typeface="+mn-cs"/>
+      </a:defRPr>
+    </a:lvl8pPr>
+    <a:lvl9pPr marL="3657600" algn="l" defTabSz="914400" rtl="0" eaLnBrk="1" latinLnBrk="0" hangingPunct="1">
+      <a:defRPr sz="1200" kern="1200">
+        <a:solidFill>
+          <a:schemeClr val="tx1"/>
+        </a:solidFill>
+        <a:latin typeface="+mn-lt"/>
+        <a:ea typeface="+mn-ea"/>
+        <a:cs typeface="+mn-cs"/>
+      </a:defRPr>
+    </a:lvl9pPr>
+  </p:notesStyle>
+</p:notesMaster>
+</file>
+
+<file path=ppt/notesSlides/notesSlide1.xml><?xml version="1.0" encoding="utf-8"?>
+<p:notes xmlns:a="http://schemas.openxmlformats.org/drawingml/2006/main" xmlns:r="http://schemas.openxmlformats.org/officeDocument/2006/relationships" xmlns:p="http://schemas.openxmlformats.org/presentationml/2006/main">
+  <p:cSld>
+    <p:spTree>
+      <p:nvGrpSpPr>
+        <p:cNvPr id="1" name=""/>
+        <p:cNvGrpSpPr/>
+        <p:nvPr/>
+      </p:nvGrpSpPr>
+      <p:grpSpPr>
+        <a:xfrm>
+          <a:off x="0" y="0"/>
+          <a:ext cx="0" cy="0"/>
+          <a:chOff x="0" y="0"/>
+          <a:chExt cx="0" cy="0"/>
+        </a:xfrm>
+      </p:grpSpPr>
+      <p:sp>
+        <p:nvSpPr>
+          <p:cNvPr id="2" name="Espaço Reservado para Imagem de Slide 1"/>
+          <p:cNvSpPr>
+            <a:spLocks noGrp="1" noRot="1" noChangeAspect="1"/>
+          </p:cNvSpPr>
+          <p:nvPr>
+            <p:ph type="sldImg"/>
+          </p:nvPr>
+        </p:nvSpPr>
+        <p:spPr/>
+      </p:sp>
+      <p:sp>
+        <p:nvSpPr>
+          <p:cNvPr id="3" name="Espaço Reservado para Anotações 2"/>
+          <p:cNvSpPr>
+            <a:spLocks noGrp="1"/>
+          </p:cNvSpPr>
+          <p:nvPr>
+            <p:ph type="body" idx="1"/>
+          </p:nvPr>
+        </p:nvSpPr>
+        <p:spPr/>
+        <p:txBody>
+          <a:bodyPr/>
+          <a:lstStyle/>
+          <a:p>
+            <a:endParaRPr lang="pt-BR"/>
+          </a:p>
+        </p:txBody>
+      </p:sp>
+      <p:sp>
+        <p:nvSpPr>
+          <p:cNvPr id="4" name="Espaço Reservado para Número de Slide 3"/>
+          <p:cNvSpPr>
+            <a:spLocks noGrp="1"/>
+          </p:cNvSpPr>
+          <p:nvPr>
+            <p:ph type="sldNum" sz="quarter" idx="5"/>
+          </p:nvPr>
+        </p:nvSpPr>
+        <p:spPr/>
+        <p:txBody>
+          <a:bodyPr/>
+          <a:lstStyle/>
+          <a:p>
+            <a:fld id="{60A0A7ED-5641-4ADF-AA57-30826761D258}" type="slidenum">
+              <a:rPr lang="pt-BR" smtClean="0"/>
+              <a:t>2</a:t>
+            </a:fld>
+            <a:endParaRPr lang="pt-BR"/>
+          </a:p>
+        </p:txBody>
+      </p:sp>
+    </p:spTree>
+    <p:extLst>
+      <p:ext uri="{BB962C8B-B14F-4D97-AF65-F5344CB8AC3E}">
+        <p14:creationId xmlns:p14="http://schemas.microsoft.com/office/powerpoint/2010/main" val="602057862"/>
+      </p:ext>
+    </p:extLst>
+  </p:cSld>
+  <p:clrMapOvr>
+    <a:masterClrMapping/>
+  </p:clrMapOvr>
+</p:notes>
+</file>
+
+<file path=ppt/notesSlides/notesSlide2.xml><?xml version="1.0" encoding="utf-8"?>
+<p:notes xmlns:a="http://schemas.openxmlformats.org/drawingml/2006/main" xmlns:r="http://schemas.openxmlformats.org/officeDocument/2006/relationships" xmlns:p="http://schemas.openxmlformats.org/presentationml/2006/main">
+  <p:cSld>
+    <p:spTree>
+      <p:nvGrpSpPr>
+        <p:cNvPr id="1" name=""/>
+        <p:cNvGrpSpPr/>
+        <p:nvPr/>
+      </p:nvGrpSpPr>
+      <p:grpSpPr>
+        <a:xfrm>
+          <a:off x="0" y="0"/>
+          <a:ext cx="0" cy="0"/>
+          <a:chOff x="0" y="0"/>
+          <a:chExt cx="0" cy="0"/>
+        </a:xfrm>
+      </p:grpSpPr>
+      <p:sp>
+        <p:nvSpPr>
+          <p:cNvPr id="2" name="Espaço Reservado para Imagem de Slide 1"/>
+          <p:cNvSpPr>
+            <a:spLocks noGrp="1" noRot="1" noChangeAspect="1"/>
+          </p:cNvSpPr>
+          <p:nvPr>
+            <p:ph type="sldImg"/>
+          </p:nvPr>
+        </p:nvSpPr>
+        <p:spPr/>
+      </p:sp>
+      <p:sp>
+        <p:nvSpPr>
+          <p:cNvPr id="3" name="Espaço Reservado para Anotações 2"/>
+          <p:cNvSpPr>
+            <a:spLocks noGrp="1"/>
+          </p:cNvSpPr>
+          <p:nvPr>
+            <p:ph type="body" idx="1"/>
+          </p:nvPr>
+        </p:nvSpPr>
+        <p:spPr/>
+        <p:txBody>
+          <a:bodyPr/>
+          <a:lstStyle/>
+          <a:p>
+            <a:endParaRPr lang="pt-BR"/>
+          </a:p>
+        </p:txBody>
+      </p:sp>
+      <p:sp>
+        <p:nvSpPr>
+          <p:cNvPr id="4" name="Espaço Reservado para Número de Slide 3"/>
+          <p:cNvSpPr>
+            <a:spLocks noGrp="1"/>
+          </p:cNvSpPr>
+          <p:nvPr>
+            <p:ph type="sldNum" sz="quarter" idx="5"/>
+          </p:nvPr>
+        </p:nvSpPr>
+        <p:spPr/>
+        <p:txBody>
+          <a:bodyPr/>
+          <a:lstStyle/>
+          <a:p>
+            <a:fld id="{60A0A7ED-5641-4ADF-AA57-30826761D258}" type="slidenum">
+              <a:rPr lang="pt-BR" smtClean="0"/>
+              <a:t>3</a:t>
+            </a:fld>
+            <a:endParaRPr lang="pt-BR"/>
+          </a:p>
+        </p:txBody>
+      </p:sp>
+    </p:spTree>
+    <p:extLst>
+      <p:ext uri="{BB962C8B-B14F-4D97-AF65-F5344CB8AC3E}">
+        <p14:creationId xmlns:p14="http://schemas.microsoft.com/office/powerpoint/2010/main" val="3768781344"/>
+      </p:ext>
+    </p:extLst>
+  </p:cSld>
+  <p:clrMapOvr>
+    <a:masterClrMapping/>
+  </p:clrMapOvr>
+</p:notes>
+</file>
+
+<file path=ppt/notesSlides/notesSlide3.xml><?xml version="1.0" encoding="utf-8"?>
+<p:notes xmlns:a="http://schemas.openxmlformats.org/drawingml/2006/main" xmlns:r="http://schemas.openxmlformats.org/officeDocument/2006/relationships" xmlns:p="http://schemas.openxmlformats.org/presentationml/2006/main">
+  <p:cSld>
+    <p:spTree>
+      <p:nvGrpSpPr>
+        <p:cNvPr id="1" name=""/>
+        <p:cNvGrpSpPr/>
+        <p:nvPr/>
+      </p:nvGrpSpPr>
+      <p:grpSpPr>
+        <a:xfrm>
+          <a:off x="0" y="0"/>
+          <a:ext cx="0" cy="0"/>
+          <a:chOff x="0" y="0"/>
+          <a:chExt cx="0" cy="0"/>
+        </a:xfrm>
+      </p:grpSpPr>
+      <p:sp>
+        <p:nvSpPr>
+          <p:cNvPr id="2" name="Espaço Reservado para Imagem de Slide 1"/>
+          <p:cNvSpPr>
+            <a:spLocks noGrp="1" noRot="1" noChangeAspect="1"/>
+          </p:cNvSpPr>
+          <p:nvPr>
+            <p:ph type="sldImg"/>
+          </p:nvPr>
+        </p:nvSpPr>
+        <p:spPr/>
+      </p:sp>
+      <p:sp>
+        <p:nvSpPr>
+          <p:cNvPr id="3" name="Espaço Reservado para Anotações 2"/>
+          <p:cNvSpPr>
+            <a:spLocks noGrp="1"/>
+          </p:cNvSpPr>
+          <p:nvPr>
+            <p:ph type="body" idx="1"/>
+          </p:nvPr>
+        </p:nvSpPr>
+        <p:spPr/>
+        <p:txBody>
+          <a:bodyPr/>
+          <a:lstStyle/>
+          <a:p>
+            <a:endParaRPr lang="pt-BR"/>
+          </a:p>
+        </p:txBody>
+      </p:sp>
+      <p:sp>
+        <p:nvSpPr>
+          <p:cNvPr id="4" name="Espaço Reservado para Número de Slide 3"/>
+          <p:cNvSpPr>
+            <a:spLocks noGrp="1"/>
+          </p:cNvSpPr>
+          <p:nvPr>
+            <p:ph type="sldNum" sz="quarter" idx="5"/>
+          </p:nvPr>
+        </p:nvSpPr>
+        <p:spPr/>
+        <p:txBody>
+          <a:bodyPr/>
+          <a:lstStyle/>
+          <a:p>
+            <a:fld id="{60A0A7ED-5641-4ADF-AA57-30826761D258}" type="slidenum">
+              <a:rPr lang="pt-BR" smtClean="0"/>
+              <a:t>5</a:t>
+            </a:fld>
+            <a:endParaRPr lang="pt-BR"/>
+          </a:p>
+        </p:txBody>
+      </p:sp>
+    </p:spTree>
+    <p:extLst>
+      <p:ext uri="{BB962C8B-B14F-4D97-AF65-F5344CB8AC3E}">
+        <p14:creationId xmlns:p14="http://schemas.microsoft.com/office/powerpoint/2010/main" val="2956244851"/>
+      </p:ext>
+    </p:extLst>
+  </p:cSld>
+  <p:clrMapOvr>
+    <a:masterClrMapping/>
+  </p:clrMapOvr>
+</p:notes>
+</file>
+
+<file path=ppt/notesSlides/notesSlide4.xml><?xml version="1.0" encoding="utf-8"?>
+<p:notes xmlns:a="http://schemas.openxmlformats.org/drawingml/2006/main" xmlns:r="http://schemas.openxmlformats.org/officeDocument/2006/relationships" xmlns:p="http://schemas.openxmlformats.org/presentationml/2006/main">
+  <p:cSld>
+    <p:spTree>
+      <p:nvGrpSpPr>
+        <p:cNvPr id="1" name=""/>
+        <p:cNvGrpSpPr/>
+        <p:nvPr/>
+      </p:nvGrpSpPr>
+      <p:grpSpPr>
+        <a:xfrm>
+          <a:off x="0" y="0"/>
+          <a:ext cx="0" cy="0"/>
+          <a:chOff x="0" y="0"/>
+          <a:chExt cx="0" cy="0"/>
+        </a:xfrm>
+      </p:grpSpPr>
+      <p:sp>
+        <p:nvSpPr>
+          <p:cNvPr id="2" name="Espaço Reservado para Imagem de Slide 1"/>
+          <p:cNvSpPr>
+            <a:spLocks noGrp="1" noRot="1" noChangeAspect="1"/>
+          </p:cNvSpPr>
+          <p:nvPr>
+            <p:ph type="sldImg"/>
+          </p:nvPr>
+        </p:nvSpPr>
+        <p:spPr/>
+      </p:sp>
+      <p:sp>
+        <p:nvSpPr>
+          <p:cNvPr id="3" name="Espaço Reservado para Anotações 2"/>
+          <p:cNvSpPr>
+            <a:spLocks noGrp="1"/>
+          </p:cNvSpPr>
+          <p:nvPr>
+            <p:ph type="body" idx="1"/>
+          </p:nvPr>
+        </p:nvSpPr>
+        <p:spPr/>
+        <p:txBody>
+          <a:bodyPr/>
+          <a:lstStyle/>
+          <a:p>
+            <a:endParaRPr lang="pt-BR"/>
+          </a:p>
+        </p:txBody>
+      </p:sp>
+      <p:sp>
+        <p:nvSpPr>
+          <p:cNvPr id="4" name="Espaço Reservado para Número de Slide 3"/>
+          <p:cNvSpPr>
+            <a:spLocks noGrp="1"/>
+          </p:cNvSpPr>
+          <p:nvPr>
+            <p:ph type="sldNum" sz="quarter" idx="5"/>
+          </p:nvPr>
+        </p:nvSpPr>
+        <p:spPr/>
+        <p:txBody>
+          <a:bodyPr/>
+          <a:lstStyle/>
+          <a:p>
+            <a:fld id="{60A0A7ED-5641-4ADF-AA57-30826761D258}" type="slidenum">
+              <a:rPr lang="pt-BR" smtClean="0"/>
+              <a:t>6</a:t>
+            </a:fld>
+            <a:endParaRPr lang="pt-BR"/>
+          </a:p>
+        </p:txBody>
+      </p:sp>
+    </p:spTree>
+    <p:extLst>
+      <p:ext uri="{BB962C8B-B14F-4D97-AF65-F5344CB8AC3E}">
+        <p14:creationId xmlns:p14="http://schemas.microsoft.com/office/powerpoint/2010/main" val="62669286"/>
+      </p:ext>
+    </p:extLst>
+  </p:cSld>
+  <p:clrMapOvr>
+    <a:masterClrMapping/>
+  </p:clrMapOvr>
+</p:notes>
 </file>
 
 <file path=ppt/slideLayouts/slideLayout1.xml><?xml version="1.0" encoding="utf-8"?>
@@ -2741,9 +3439,12 @@
 <p:sldMaster xmlns:a="http://schemas.openxmlformats.org/drawingml/2006/main" xmlns:r="http://schemas.openxmlformats.org/officeDocument/2006/relationships" xmlns:p="http://schemas.openxmlformats.org/presentationml/2006/main">
   <p:cSld>
     <p:bg>
-      <p:bgRef idx="1001">
-        <a:schemeClr val="bg1"/>
-      </p:bgRef>
+      <p:bgPr>
+        <a:solidFill>
+          <a:srgbClr val="36364E"/>
+        </a:solidFill>
+        <a:effectLst/>
+      </p:bgPr>
     </p:bg>
     <p:spTree>
       <p:nvGrpSpPr>
@@ -3308,14 +4009,6 @@
 <file path=ppt/slides/slide1.xml><?xml version="1.0" encoding="utf-8"?>
 <p:sld xmlns:a="http://schemas.openxmlformats.org/drawingml/2006/main" xmlns:r="http://schemas.openxmlformats.org/officeDocument/2006/relationships" xmlns:p="http://schemas.openxmlformats.org/presentationml/2006/main">
   <p:cSld>
-    <p:bg>
-      <p:bgPr>
-        <a:solidFill>
-          <a:srgbClr val="36364E"/>
-        </a:solidFill>
-        <a:effectLst/>
-      </p:bgPr>
-    </p:bg>
     <p:spTree>
       <p:nvGrpSpPr>
         <p:cNvPr id="1" name=""/>
@@ -3382,14 +4075,6 @@
 <file path=ppt/slides/slide2.xml><?xml version="1.0" encoding="utf-8"?>
 <p:sld xmlns:a="http://schemas.openxmlformats.org/drawingml/2006/main" xmlns:r="http://schemas.openxmlformats.org/officeDocument/2006/relationships" xmlns:p="http://schemas.openxmlformats.org/presentationml/2006/main">
   <p:cSld>
-    <p:bg>
-      <p:bgPr>
-        <a:solidFill>
-          <a:srgbClr val="36364E"/>
-        </a:solidFill>
-        <a:effectLst/>
-      </p:bgPr>
-    </p:bg>
     <p:spTree>
       <p:nvGrpSpPr>
         <p:cNvPr id="1" name=""/>
@@ -3404,12 +4089,53 @@
           <a:chExt cx="0" cy="0"/>
         </a:xfrm>
       </p:grpSpPr>
+      <p:sp>
+        <p:nvSpPr>
+          <p:cNvPr id="6" name="CaixaDeTexto 5">
+            <a:extLst>
+              <a:ext uri="{FF2B5EF4-FFF2-40B4-BE49-F238E27FC236}">
+                <a16:creationId xmlns:a16="http://schemas.microsoft.com/office/drawing/2014/main" id="{627C9D15-8B6E-4B97-A265-007A279C8807}"/>
+              </a:ext>
+            </a:extLst>
+          </p:cNvPr>
+          <p:cNvSpPr txBox="1"/>
+          <p:nvPr/>
+        </p:nvSpPr>
+        <p:spPr>
+          <a:xfrm>
+            <a:off x="215348" y="193007"/>
+            <a:ext cx="11773451" cy="646331"/>
+          </a:xfrm>
+          <a:prstGeom prst="rect">
+            <a:avLst/>
+          </a:prstGeom>
+          <a:noFill/>
+        </p:spPr>
+        <p:txBody>
+          <a:bodyPr wrap="square" rtlCol="0">
+            <a:spAutoFit/>
+          </a:bodyPr>
+          <a:lstStyle/>
+          <a:p>
+            <a:r>
+              <a:rPr lang="pt-BR" sz="3600" dirty="0">
+                <a:solidFill>
+                  <a:schemeClr val="bg1"/>
+                </a:solidFill>
+                <a:latin typeface="Segoe UI Black" panose="020B0A02040204020203" pitchFamily="34" charset="0"/>
+                <a:ea typeface="Segoe UI Black" panose="020B0A02040204020203" pitchFamily="34" charset="0"/>
+              </a:rPr>
+              <a:t>MERCADO ATUAL DO PORTO DE SANTOS:</a:t>
+            </a:r>
+          </a:p>
+        </p:txBody>
+      </p:sp>
       <p:pic>
         <p:nvPicPr>
-          <p:cNvPr id="5" name="Imagem 4">
-            <a:extLst>
-              <a:ext uri="{FF2B5EF4-FFF2-40B4-BE49-F238E27FC236}">
-                <a16:creationId xmlns:a16="http://schemas.microsoft.com/office/drawing/2014/main" id="{9204CFA9-7F89-4AB8-A730-F5A69D2027BE}"/>
+          <p:cNvPr id="3" name="Imagem 2">
+            <a:extLst>
+              <a:ext uri="{FF2B5EF4-FFF2-40B4-BE49-F238E27FC236}">
+                <a16:creationId xmlns:a16="http://schemas.microsoft.com/office/drawing/2014/main" id="{E05B6AF6-F776-4811-AD89-2F59E14B92D9}"/>
               </a:ext>
             </a:extLst>
           </p:cNvPr>
@@ -3419,7 +4145,7 @@
           <p:nvPr/>
         </p:nvPicPr>
         <p:blipFill>
-          <a:blip r:embed="rId2">
+          <a:blip r:embed="rId3">
             <a:extLst>
               <a:ext uri="{28A0092B-C50C-407E-A947-70E740481C1C}">
                 <a14:useLocalDpi xmlns:a14="http://schemas.microsoft.com/office/drawing/2010/main" val="0"/>
@@ -3432,8 +4158,8 @@
         </p:blipFill>
         <p:spPr>
           <a:xfrm>
-            <a:off x="10437311" y="5688207"/>
-            <a:ext cx="1551488" cy="1034325"/>
+            <a:off x="341183" y="1081499"/>
+            <a:ext cx="8046463" cy="5008567"/>
           </a:xfrm>
           <a:prstGeom prst="rect">
             <a:avLst/>
@@ -3442,10 +4168,10 @@
       </p:pic>
       <p:sp>
         <p:nvSpPr>
-          <p:cNvPr id="6" name="CaixaDeTexto 5">
-            <a:extLst>
-              <a:ext uri="{FF2B5EF4-FFF2-40B4-BE49-F238E27FC236}">
-                <a16:creationId xmlns:a16="http://schemas.microsoft.com/office/drawing/2014/main" id="{627C9D15-8B6E-4B97-A265-007A279C8807}"/>
+          <p:cNvPr id="4" name="CaixaDeTexto 3">
+            <a:extLst>
+              <a:ext uri="{FF2B5EF4-FFF2-40B4-BE49-F238E27FC236}">
+                <a16:creationId xmlns:a16="http://schemas.microsoft.com/office/drawing/2014/main" id="{B64304B9-018B-49D2-8B9D-731E72543F58}"/>
               </a:ext>
             </a:extLst>
           </p:cNvPr>
@@ -3454,8 +4180,202 @@
         </p:nvSpPr>
         <p:spPr>
           <a:xfrm>
-            <a:off x="0" y="193007"/>
-            <a:ext cx="12192000" cy="646331"/>
+            <a:off x="8472467" y="2171165"/>
+            <a:ext cx="3516332" cy="2185214"/>
+          </a:xfrm>
+          <a:prstGeom prst="rect">
+            <a:avLst/>
+          </a:prstGeom>
+          <a:noFill/>
+        </p:spPr>
+        <p:txBody>
+          <a:bodyPr wrap="square" rtlCol="0">
+            <a:spAutoFit/>
+          </a:bodyPr>
+          <a:lstStyle/>
+          <a:p>
+            <a:r>
+              <a:rPr lang="pt-BR" b="1" dirty="0">
+                <a:solidFill>
+                  <a:schemeClr val="bg1"/>
+                </a:solidFill>
+                <a:latin typeface="Segoe UI" panose="020B0502040204020203" pitchFamily="34" charset="0"/>
+                <a:cs typeface="Segoe UI" panose="020B0502040204020203" pitchFamily="34" charset="0"/>
+              </a:rPr>
+              <a:t>O Porto de Santos em 2017 movimentou 129,9 milhões de toneladas em 2017, já em 2018 o crescimento foi de quase </a:t>
+            </a:r>
+            <a:r>
+              <a:rPr lang="pt-BR" sz="2800" b="1" dirty="0">
+                <a:solidFill>
+                  <a:schemeClr val="bg1"/>
+                </a:solidFill>
+                <a:latin typeface="+mj-lt"/>
+                <a:cs typeface="Segoe UI" panose="020B0502040204020203" pitchFamily="34" charset="0"/>
+              </a:rPr>
+              <a:t>4%</a:t>
+            </a:r>
+            <a:r>
+              <a:rPr lang="pt-BR" sz="2800" b="1" dirty="0">
+                <a:solidFill>
+                  <a:schemeClr val="bg1"/>
+                </a:solidFill>
+                <a:latin typeface="Segoe UI" panose="020B0502040204020203" pitchFamily="34" charset="0"/>
+                <a:cs typeface="Segoe UI" panose="020B0502040204020203" pitchFamily="34" charset="0"/>
+              </a:rPr>
+              <a:t> em um ano </a:t>
+            </a:r>
+            <a:r>
+              <a:rPr lang="pt-BR" b="1" dirty="0">
+                <a:solidFill>
+                  <a:schemeClr val="bg1"/>
+                </a:solidFill>
+                <a:latin typeface="Segoe UI" panose="020B0502040204020203" pitchFamily="34" charset="0"/>
+                <a:cs typeface="Segoe UI" panose="020B0502040204020203" pitchFamily="34" charset="0"/>
+              </a:rPr>
+              <a:t>e passou para 133,2 milhões de toneladas.</a:t>
+            </a:r>
+          </a:p>
+        </p:txBody>
+      </p:sp>
+      <p:sp>
+        <p:nvSpPr>
+          <p:cNvPr id="7" name="CaixaDeTexto 6">
+            <a:extLst>
+              <a:ext uri="{FF2B5EF4-FFF2-40B4-BE49-F238E27FC236}">
+                <a16:creationId xmlns:a16="http://schemas.microsoft.com/office/drawing/2014/main" id="{56C4EE84-2701-4DFD-8736-B58D91420DAC}"/>
+              </a:ext>
+            </a:extLst>
+          </p:cNvPr>
+          <p:cNvSpPr txBox="1"/>
+          <p:nvPr/>
+        </p:nvSpPr>
+        <p:spPr>
+          <a:xfrm>
+            <a:off x="0" y="6205368"/>
+            <a:ext cx="12192000" cy="523220"/>
+          </a:xfrm>
+          <a:prstGeom prst="rect">
+            <a:avLst/>
+          </a:prstGeom>
+          <a:noFill/>
+        </p:spPr>
+        <p:txBody>
+          <a:bodyPr wrap="square" rtlCol="0">
+            <a:spAutoFit/>
+          </a:bodyPr>
+          <a:lstStyle/>
+          <a:p>
+            <a:r>
+              <a:rPr lang="pt-BR" sz="1400" dirty="0">
+                <a:solidFill>
+                  <a:schemeClr val="bg1"/>
+                </a:solidFill>
+                <a:latin typeface="Segoe UI" panose="020B0502040204020203" pitchFamily="34" charset="0"/>
+                <a:cs typeface="Segoe UI" panose="020B0502040204020203" pitchFamily="34" charset="0"/>
+              </a:rPr>
+              <a:t>Fonte: Movimento no Porto de Santos. 05 slides. Disponível em: &lt;http://www.portodesantos.com.br/</a:t>
+            </a:r>
+            <a:r>
+              <a:rPr lang="pt-BR" sz="1400" dirty="0" err="1">
+                <a:solidFill>
+                  <a:schemeClr val="bg1"/>
+                </a:solidFill>
+                <a:latin typeface="Segoe UI" panose="020B0502040204020203" pitchFamily="34" charset="0"/>
+                <a:cs typeface="Segoe UI" panose="020B0502040204020203" pitchFamily="34" charset="0"/>
+              </a:rPr>
+              <a:t>relacoes</a:t>
+            </a:r>
+            <a:r>
+              <a:rPr lang="pt-BR" sz="1400" dirty="0">
+                <a:solidFill>
+                  <a:schemeClr val="bg1"/>
+                </a:solidFill>
+                <a:latin typeface="Segoe UI" panose="020B0502040204020203" pitchFamily="34" charset="0"/>
+                <a:cs typeface="Segoe UI" panose="020B0502040204020203" pitchFamily="34" charset="0"/>
+              </a:rPr>
+              <a:t>-com-o-mercado/</a:t>
+            </a:r>
+            <a:r>
+              <a:rPr lang="pt-BR" sz="1400" dirty="0" err="1">
+                <a:solidFill>
+                  <a:schemeClr val="bg1"/>
+                </a:solidFill>
+                <a:latin typeface="Segoe UI" panose="020B0502040204020203" pitchFamily="34" charset="0"/>
+                <a:cs typeface="Segoe UI" panose="020B0502040204020203" pitchFamily="34" charset="0"/>
+              </a:rPr>
+              <a:t>estatisticas</a:t>
+            </a:r>
+            <a:r>
+              <a:rPr lang="pt-BR" sz="1400" dirty="0">
+                <a:solidFill>
+                  <a:schemeClr val="bg1"/>
+                </a:solidFill>
+                <a:latin typeface="Segoe UI" panose="020B0502040204020203" pitchFamily="34" charset="0"/>
+                <a:cs typeface="Segoe UI" panose="020B0502040204020203" pitchFamily="34" charset="0"/>
+              </a:rPr>
+              <a:t>/&gt;. </a:t>
+            </a:r>
+          </a:p>
+          <a:p>
+            <a:r>
+              <a:rPr lang="pt-BR" sz="1400" dirty="0">
+                <a:solidFill>
+                  <a:schemeClr val="bg1"/>
+                </a:solidFill>
+                <a:latin typeface="Segoe UI" panose="020B0502040204020203" pitchFamily="34" charset="0"/>
+                <a:cs typeface="Segoe UI" panose="020B0502040204020203" pitchFamily="34" charset="0"/>
+              </a:rPr>
+              <a:t>Acesso em: 25 mar. 2019.</a:t>
+            </a:r>
+          </a:p>
+        </p:txBody>
+      </p:sp>
+    </p:spTree>
+    <p:extLst>
+      <p:ext uri="{BB962C8B-B14F-4D97-AF65-F5344CB8AC3E}">
+        <p14:creationId xmlns:p14="http://schemas.microsoft.com/office/powerpoint/2010/main" val="2590478019"/>
+      </p:ext>
+    </p:extLst>
+  </p:cSld>
+  <p:clrMapOvr>
+    <a:masterClrMapping/>
+  </p:clrMapOvr>
+</p:sld>
+</file>
+
+<file path=ppt/slides/slide3.xml><?xml version="1.0" encoding="utf-8"?>
+<p:sld xmlns:a="http://schemas.openxmlformats.org/drawingml/2006/main" xmlns:r="http://schemas.openxmlformats.org/officeDocument/2006/relationships" xmlns:p="http://schemas.openxmlformats.org/presentationml/2006/main">
+  <p:cSld>
+    <p:spTree>
+      <p:nvGrpSpPr>
+        <p:cNvPr id="1" name=""/>
+        <p:cNvGrpSpPr/>
+        <p:nvPr/>
+      </p:nvGrpSpPr>
+      <p:grpSpPr>
+        <a:xfrm>
+          <a:off x="0" y="0"/>
+          <a:ext cx="0" cy="0"/>
+          <a:chOff x="0" y="0"/>
+          <a:chExt cx="0" cy="0"/>
+        </a:xfrm>
+      </p:grpSpPr>
+      <p:sp>
+        <p:nvSpPr>
+          <p:cNvPr id="6" name="CaixaDeTexto 5">
+            <a:extLst>
+              <a:ext uri="{FF2B5EF4-FFF2-40B4-BE49-F238E27FC236}">
+                <a16:creationId xmlns:a16="http://schemas.microsoft.com/office/drawing/2014/main" id="{627C9D15-8B6E-4B97-A265-007A279C8807}"/>
+              </a:ext>
+            </a:extLst>
+          </p:cNvPr>
+          <p:cNvSpPr txBox="1"/>
+          <p:nvPr/>
+        </p:nvSpPr>
+        <p:spPr>
+          <a:xfrm>
+            <a:off x="215348" y="193007"/>
+            <a:ext cx="11773451" cy="646331"/>
           </a:xfrm>
           <a:prstGeom prst="rect">
             <a:avLst/>
@@ -3823,7 +4743,1504 @@
 </p:sld>
 </file>
 
+<file path=ppt/slides/slide4.xml><?xml version="1.0" encoding="utf-8"?>
+<p:sld xmlns:a="http://schemas.openxmlformats.org/drawingml/2006/main" xmlns:r="http://schemas.openxmlformats.org/officeDocument/2006/relationships" xmlns:p="http://schemas.openxmlformats.org/presentationml/2006/main">
+  <p:cSld>
+    <p:spTree>
+      <p:nvGrpSpPr>
+        <p:cNvPr id="1" name=""/>
+        <p:cNvGrpSpPr/>
+        <p:nvPr/>
+      </p:nvGrpSpPr>
+      <p:grpSpPr>
+        <a:xfrm>
+          <a:off x="0" y="0"/>
+          <a:ext cx="0" cy="0"/>
+          <a:chOff x="0" y="0"/>
+          <a:chExt cx="0" cy="0"/>
+        </a:xfrm>
+      </p:grpSpPr>
+      <p:sp>
+        <p:nvSpPr>
+          <p:cNvPr id="6" name="Retângulo 5">
+            <a:extLst>
+              <a:ext uri="{FF2B5EF4-FFF2-40B4-BE49-F238E27FC236}">
+                <a16:creationId xmlns:a16="http://schemas.microsoft.com/office/drawing/2014/main" id="{AA8DC8D2-F6F0-4391-8742-99316F5340B4}"/>
+              </a:ext>
+            </a:extLst>
+          </p:cNvPr>
+          <p:cNvSpPr/>
+          <p:nvPr/>
+        </p:nvSpPr>
+        <p:spPr>
+          <a:xfrm>
+            <a:off x="382292" y="1063889"/>
+            <a:ext cx="11427416" cy="4978919"/>
+          </a:xfrm>
+          <a:prstGeom prst="rect">
+            <a:avLst/>
+          </a:prstGeom>
+          <a:solidFill>
+            <a:schemeClr val="bg1"/>
+          </a:solidFill>
+          <a:ln>
+            <a:solidFill>
+              <a:schemeClr val="bg1"/>
+            </a:solidFill>
+          </a:ln>
+        </p:spPr>
+        <p:style>
+          <a:lnRef idx="2">
+            <a:schemeClr val="accent1">
+              <a:shade val="50000"/>
+            </a:schemeClr>
+          </a:lnRef>
+          <a:fillRef idx="1">
+            <a:schemeClr val="accent1"/>
+          </a:fillRef>
+          <a:effectRef idx="0">
+            <a:schemeClr val="accent1"/>
+          </a:effectRef>
+          <a:fontRef idx="minor">
+            <a:schemeClr val="lt1"/>
+          </a:fontRef>
+        </p:style>
+        <p:txBody>
+          <a:bodyPr rtlCol="0" anchor="ctr"/>
+          <a:lstStyle/>
+          <a:p>
+            <a:pPr algn="ctr"/>
+            <a:endParaRPr lang="pt-BR"/>
+          </a:p>
+        </p:txBody>
+      </p:sp>
+      <p:pic>
+        <p:nvPicPr>
+          <p:cNvPr id="7" name="Imagem 6">
+            <a:extLst>
+              <a:ext uri="{FF2B5EF4-FFF2-40B4-BE49-F238E27FC236}">
+                <a16:creationId xmlns:a16="http://schemas.microsoft.com/office/drawing/2014/main" id="{E5D36644-6225-4FD5-AD9A-442D61FE0035}"/>
+              </a:ext>
+            </a:extLst>
+          </p:cNvPr>
+          <p:cNvPicPr>
+            <a:picLocks noChangeAspect="1"/>
+          </p:cNvPicPr>
+          <p:nvPr/>
+        </p:nvPicPr>
+        <p:blipFill>
+          <a:blip r:embed="rId2">
+            <a:extLst>
+              <a:ext uri="{28A0092B-C50C-407E-A947-70E740481C1C}">
+                <a14:useLocalDpi xmlns:a14="http://schemas.microsoft.com/office/drawing/2010/main" val="0"/>
+              </a:ext>
+            </a:extLst>
+          </a:blip>
+          <a:stretch>
+            <a:fillRect/>
+          </a:stretch>
+        </p:blipFill>
+        <p:spPr>
+          <a:xfrm>
+            <a:off x="3155767" y="1085432"/>
+            <a:ext cx="4872354" cy="4957376"/>
+          </a:xfrm>
+          <a:prstGeom prst="rect">
+            <a:avLst/>
+          </a:prstGeom>
+        </p:spPr>
+      </p:pic>
+      <p:sp>
+        <p:nvSpPr>
+          <p:cNvPr id="9" name="CaixaDeTexto 8">
+            <a:extLst>
+              <a:ext uri="{FF2B5EF4-FFF2-40B4-BE49-F238E27FC236}">
+                <a16:creationId xmlns:a16="http://schemas.microsoft.com/office/drawing/2014/main" id="{EA3109A8-02FD-4C4D-9C0B-920055D7DE65}"/>
+              </a:ext>
+            </a:extLst>
+          </p:cNvPr>
+          <p:cNvSpPr txBox="1"/>
+          <p:nvPr/>
+        </p:nvSpPr>
+        <p:spPr>
+          <a:xfrm>
+            <a:off x="215348" y="193007"/>
+            <a:ext cx="11773451" cy="646331"/>
+          </a:xfrm>
+          <a:prstGeom prst="rect">
+            <a:avLst/>
+          </a:prstGeom>
+          <a:noFill/>
+        </p:spPr>
+        <p:txBody>
+          <a:bodyPr wrap="square" rtlCol="0">
+            <a:spAutoFit/>
+          </a:bodyPr>
+          <a:lstStyle/>
+          <a:p>
+            <a:r>
+              <a:rPr lang="pt-BR" sz="3600" dirty="0">
+                <a:solidFill>
+                  <a:schemeClr val="bg1"/>
+                </a:solidFill>
+                <a:latin typeface="Segoe UI Black" panose="020B0A02040204020203" pitchFamily="34" charset="0"/>
+                <a:ea typeface="Segoe UI Black" panose="020B0A02040204020203" pitchFamily="34" charset="0"/>
+              </a:rPr>
+              <a:t>POR QUE NÃO UTILIZAR BLOCKCHAIN ?</a:t>
+            </a:r>
+          </a:p>
+        </p:txBody>
+      </p:sp>
+      <p:sp>
+        <p:nvSpPr>
+          <p:cNvPr id="10" name="CaixaDeTexto 9">
+            <a:extLst>
+              <a:ext uri="{FF2B5EF4-FFF2-40B4-BE49-F238E27FC236}">
+                <a16:creationId xmlns:a16="http://schemas.microsoft.com/office/drawing/2014/main" id="{7AB50898-1CB1-4B46-8C57-6E268E82F417}"/>
+              </a:ext>
+            </a:extLst>
+          </p:cNvPr>
+          <p:cNvSpPr txBox="1"/>
+          <p:nvPr/>
+        </p:nvSpPr>
+        <p:spPr>
+          <a:xfrm>
+            <a:off x="0" y="6329352"/>
+            <a:ext cx="12192000" cy="523220"/>
+          </a:xfrm>
+          <a:prstGeom prst="rect">
+            <a:avLst/>
+          </a:prstGeom>
+          <a:noFill/>
+        </p:spPr>
+        <p:txBody>
+          <a:bodyPr wrap="square" rtlCol="0">
+            <a:spAutoFit/>
+          </a:bodyPr>
+          <a:lstStyle/>
+          <a:p>
+            <a:r>
+              <a:rPr lang="pt-BR" sz="1400" dirty="0">
+                <a:solidFill>
+                  <a:schemeClr val="bg1"/>
+                </a:solidFill>
+                <a:latin typeface="Segoe UI" panose="020B0502040204020203" pitchFamily="34" charset="0"/>
+                <a:cs typeface="Segoe UI" panose="020B0502040204020203" pitchFamily="34" charset="0"/>
+              </a:rPr>
+              <a:t>Fonte: Disponível em: &lt;https://guiadobitcoin.com.br/</a:t>
+            </a:r>
+            <a:r>
+              <a:rPr lang="pt-BR" sz="1400" dirty="0" err="1">
+                <a:solidFill>
+                  <a:schemeClr val="bg1"/>
+                </a:solidFill>
+                <a:latin typeface="Segoe UI" panose="020B0502040204020203" pitchFamily="34" charset="0"/>
+                <a:cs typeface="Segoe UI" panose="020B0502040204020203" pitchFamily="34" charset="0"/>
+              </a:rPr>
+              <a:t>ibm</a:t>
+            </a:r>
+            <a:r>
+              <a:rPr lang="pt-BR" sz="1400" dirty="0">
+                <a:solidFill>
+                  <a:schemeClr val="bg1"/>
+                </a:solidFill>
+                <a:latin typeface="Segoe UI" panose="020B0502040204020203" pitchFamily="34" charset="0"/>
+                <a:cs typeface="Segoe UI" panose="020B0502040204020203" pitchFamily="34" charset="0"/>
+              </a:rPr>
+              <a:t>-revela-</a:t>
+            </a:r>
+            <a:r>
+              <a:rPr lang="pt-BR" sz="1400" dirty="0" err="1">
+                <a:solidFill>
+                  <a:schemeClr val="bg1"/>
+                </a:solidFill>
+                <a:latin typeface="Segoe UI" panose="020B0502040204020203" pitchFamily="34" charset="0"/>
+                <a:cs typeface="Segoe UI" panose="020B0502040204020203" pitchFamily="34" charset="0"/>
+              </a:rPr>
+              <a:t>blockchain</a:t>
+            </a:r>
+            <a:r>
+              <a:rPr lang="pt-BR" sz="1400" dirty="0">
+                <a:solidFill>
+                  <a:schemeClr val="bg1"/>
+                </a:solidFill>
+                <a:latin typeface="Segoe UI" panose="020B0502040204020203" pitchFamily="34" charset="0"/>
+                <a:cs typeface="Segoe UI" panose="020B0502040204020203" pitchFamily="34" charset="0"/>
+              </a:rPr>
+              <a:t>-que-</a:t>
+            </a:r>
+            <a:r>
+              <a:rPr lang="pt-BR" sz="1400" dirty="0" err="1">
+                <a:solidFill>
+                  <a:schemeClr val="bg1"/>
+                </a:solidFill>
+                <a:latin typeface="Segoe UI" panose="020B0502040204020203" pitchFamily="34" charset="0"/>
+                <a:cs typeface="Segoe UI" panose="020B0502040204020203" pitchFamily="34" charset="0"/>
+              </a:rPr>
+              <a:t>sera</a:t>
+            </a:r>
+            <a:r>
+              <a:rPr lang="pt-BR" sz="1400" dirty="0">
+                <a:solidFill>
+                  <a:schemeClr val="bg1"/>
+                </a:solidFill>
+                <a:latin typeface="Segoe UI" panose="020B0502040204020203" pitchFamily="34" charset="0"/>
+                <a:cs typeface="Segoe UI" panose="020B0502040204020203" pitchFamily="34" charset="0"/>
+              </a:rPr>
+              <a:t>-usada-em-um-porto-de-</a:t>
+            </a:r>
+            <a:r>
+              <a:rPr lang="pt-BR" sz="1400" dirty="0" err="1">
+                <a:solidFill>
+                  <a:schemeClr val="bg1"/>
+                </a:solidFill>
+                <a:latin typeface="Segoe UI" panose="020B0502040204020203" pitchFamily="34" charset="0"/>
+                <a:cs typeface="Segoe UI" panose="020B0502040204020203" pitchFamily="34" charset="0"/>
+              </a:rPr>
+              <a:t>singapura</a:t>
+            </a:r>
+            <a:r>
+              <a:rPr lang="pt-BR" sz="1400" dirty="0">
+                <a:solidFill>
+                  <a:schemeClr val="bg1"/>
+                </a:solidFill>
+                <a:latin typeface="Segoe UI" panose="020B0502040204020203" pitchFamily="34" charset="0"/>
+                <a:cs typeface="Segoe UI" panose="020B0502040204020203" pitchFamily="34" charset="0"/>
+              </a:rPr>
+              <a:t>/&gt;. </a:t>
+            </a:r>
+          </a:p>
+          <a:p>
+            <a:r>
+              <a:rPr lang="pt-BR" sz="1400" dirty="0">
+                <a:solidFill>
+                  <a:schemeClr val="bg1"/>
+                </a:solidFill>
+                <a:latin typeface="Segoe UI" panose="020B0502040204020203" pitchFamily="34" charset="0"/>
+                <a:cs typeface="Segoe UI" panose="020B0502040204020203" pitchFamily="34" charset="0"/>
+              </a:rPr>
+              <a:t>Acesso em: 25 mar. 2019.</a:t>
+            </a:r>
+          </a:p>
+        </p:txBody>
+      </p:sp>
+    </p:spTree>
+    <p:extLst>
+      <p:ext uri="{BB962C8B-B14F-4D97-AF65-F5344CB8AC3E}">
+        <p14:creationId xmlns:p14="http://schemas.microsoft.com/office/powerpoint/2010/main" val="616774638"/>
+      </p:ext>
+    </p:extLst>
+  </p:cSld>
+  <p:clrMapOvr>
+    <a:masterClrMapping/>
+  </p:clrMapOvr>
+</p:sld>
+</file>
+
+<file path=ppt/slides/slide5.xml><?xml version="1.0" encoding="utf-8"?>
+<p:sld xmlns:a="http://schemas.openxmlformats.org/drawingml/2006/main" xmlns:r="http://schemas.openxmlformats.org/officeDocument/2006/relationships" xmlns:p="http://schemas.openxmlformats.org/presentationml/2006/main">
+  <p:cSld>
+    <p:spTree>
+      <p:nvGrpSpPr>
+        <p:cNvPr id="1" name=""/>
+        <p:cNvGrpSpPr/>
+        <p:nvPr/>
+      </p:nvGrpSpPr>
+      <p:grpSpPr>
+        <a:xfrm>
+          <a:off x="0" y="0"/>
+          <a:ext cx="0" cy="0"/>
+          <a:chOff x="0" y="0"/>
+          <a:chExt cx="0" cy="0"/>
+        </a:xfrm>
+      </p:grpSpPr>
+      <p:sp>
+        <p:nvSpPr>
+          <p:cNvPr id="6" name="CaixaDeTexto 5">
+            <a:extLst>
+              <a:ext uri="{FF2B5EF4-FFF2-40B4-BE49-F238E27FC236}">
+                <a16:creationId xmlns:a16="http://schemas.microsoft.com/office/drawing/2014/main" id="{627C9D15-8B6E-4B97-A265-007A279C8807}"/>
+              </a:ext>
+            </a:extLst>
+          </p:cNvPr>
+          <p:cNvSpPr txBox="1"/>
+          <p:nvPr/>
+        </p:nvSpPr>
+        <p:spPr>
+          <a:xfrm>
+            <a:off x="215348" y="193007"/>
+            <a:ext cx="11773451" cy="646331"/>
+          </a:xfrm>
+          <a:prstGeom prst="rect">
+            <a:avLst/>
+          </a:prstGeom>
+          <a:noFill/>
+        </p:spPr>
+        <p:txBody>
+          <a:bodyPr wrap="square" rtlCol="0">
+            <a:spAutoFit/>
+          </a:bodyPr>
+          <a:lstStyle/>
+          <a:p>
+            <a:r>
+              <a:rPr lang="pt-BR" sz="3600" dirty="0">
+                <a:solidFill>
+                  <a:schemeClr val="bg1"/>
+                </a:solidFill>
+                <a:latin typeface="Segoe UI Black" panose="020B0A02040204020203" pitchFamily="34" charset="0"/>
+                <a:ea typeface="Segoe UI Black" panose="020B0A02040204020203" pitchFamily="34" charset="0"/>
+              </a:rPr>
+              <a:t>COMO RESOLVER O PROBLEMA:</a:t>
+            </a:r>
+          </a:p>
+        </p:txBody>
+      </p:sp>
+      <p:sp>
+        <p:nvSpPr>
+          <p:cNvPr id="15" name="CaixaDeTexto 14">
+            <a:extLst>
+              <a:ext uri="{FF2B5EF4-FFF2-40B4-BE49-F238E27FC236}">
+                <a16:creationId xmlns:a16="http://schemas.microsoft.com/office/drawing/2014/main" id="{5FE169A7-814F-4FAC-9E53-94E295039282}"/>
+              </a:ext>
+            </a:extLst>
+          </p:cNvPr>
+          <p:cNvSpPr txBox="1"/>
+          <p:nvPr/>
+        </p:nvSpPr>
+        <p:spPr>
+          <a:xfrm>
+            <a:off x="454927" y="2179415"/>
+            <a:ext cx="2183611" cy="646331"/>
+          </a:xfrm>
+          <a:prstGeom prst="rect">
+            <a:avLst/>
+          </a:prstGeom>
+          <a:noFill/>
+        </p:spPr>
+        <p:txBody>
+          <a:bodyPr wrap="none" rtlCol="0">
+            <a:spAutoFit/>
+          </a:bodyPr>
+          <a:lstStyle/>
+          <a:p>
+            <a:pPr algn="ctr"/>
+            <a:r>
+              <a:rPr lang="pt-BR" b="1" dirty="0">
+                <a:solidFill>
+                  <a:schemeClr val="bg1"/>
+                </a:solidFill>
+                <a:latin typeface="Segoe UI Black" panose="020B0A02040204020203" pitchFamily="34" charset="0"/>
+                <a:ea typeface="Segoe UI Black" panose="020B0A02040204020203" pitchFamily="34" charset="0"/>
+              </a:rPr>
+              <a:t>CRIAR UMA REDE</a:t>
+            </a:r>
+          </a:p>
+          <a:p>
+            <a:pPr algn="ctr"/>
+            <a:r>
+              <a:rPr lang="pt-BR" b="1" dirty="0">
+                <a:solidFill>
+                  <a:schemeClr val="bg1"/>
+                </a:solidFill>
+                <a:latin typeface="Segoe UI Black" panose="020B0A02040204020203" pitchFamily="34" charset="0"/>
+                <a:ea typeface="Segoe UI Black" panose="020B0A02040204020203" pitchFamily="34" charset="0"/>
+              </a:rPr>
+              <a:t>BLOCKCHAIN</a:t>
+            </a:r>
+          </a:p>
+        </p:txBody>
+      </p:sp>
+      <p:pic>
+        <p:nvPicPr>
+          <p:cNvPr id="12" name="Imagem 11">
+            <a:extLst>
+              <a:ext uri="{FF2B5EF4-FFF2-40B4-BE49-F238E27FC236}">
+                <a16:creationId xmlns:a16="http://schemas.microsoft.com/office/drawing/2014/main" id="{D687F594-6C49-4B3B-A89E-902022E28639}"/>
+              </a:ext>
+            </a:extLst>
+          </p:cNvPr>
+          <p:cNvPicPr>
+            <a:picLocks noChangeAspect="1"/>
+          </p:cNvPicPr>
+          <p:nvPr/>
+        </p:nvPicPr>
+        <p:blipFill>
+          <a:blip r:embed="rId3">
+            <a:duotone>
+              <a:prstClr val="black"/>
+              <a:schemeClr val="accent2">
+                <a:tint val="45000"/>
+                <a:satMod val="400000"/>
+              </a:schemeClr>
+            </a:duotone>
+            <a:extLst>
+              <a:ext uri="{28A0092B-C50C-407E-A947-70E740481C1C}">
+                <a14:useLocalDpi xmlns:a14="http://schemas.microsoft.com/office/drawing/2010/main" val="0"/>
+              </a:ext>
+            </a:extLst>
+          </a:blip>
+          <a:stretch>
+            <a:fillRect/>
+          </a:stretch>
+        </p:blipFill>
+        <p:spPr>
+          <a:xfrm>
+            <a:off x="284890" y="2764911"/>
+            <a:ext cx="2438400" cy="2438400"/>
+          </a:xfrm>
+          <a:prstGeom prst="rect">
+            <a:avLst/>
+          </a:prstGeom>
+        </p:spPr>
+      </p:pic>
+      <p:sp>
+        <p:nvSpPr>
+          <p:cNvPr id="2" name="CaixaDeTexto 1">
+            <a:extLst>
+              <a:ext uri="{FF2B5EF4-FFF2-40B4-BE49-F238E27FC236}">
+                <a16:creationId xmlns:a16="http://schemas.microsoft.com/office/drawing/2014/main" id="{82F12369-0C53-4B90-9480-513552D51F97}"/>
+              </a:ext>
+            </a:extLst>
+          </p:cNvPr>
+          <p:cNvSpPr txBox="1"/>
+          <p:nvPr/>
+        </p:nvSpPr>
+        <p:spPr>
+          <a:xfrm>
+            <a:off x="2723290" y="3042722"/>
+            <a:ext cx="1064715" cy="1569660"/>
+          </a:xfrm>
+          <a:prstGeom prst="rect">
+            <a:avLst/>
+          </a:prstGeom>
+          <a:noFill/>
+        </p:spPr>
+        <p:txBody>
+          <a:bodyPr wrap="square" rtlCol="0">
+            <a:spAutoFit/>
+          </a:bodyPr>
+          <a:lstStyle/>
+          <a:p>
+            <a:r>
+              <a:rPr lang="pt-BR" sz="9600" dirty="0">
+                <a:solidFill>
+                  <a:schemeClr val="bg1"/>
+                </a:solidFill>
+                <a:latin typeface="+mj-lt"/>
+              </a:rPr>
+              <a:t>=</a:t>
+            </a:r>
+          </a:p>
+        </p:txBody>
+      </p:sp>
+      <p:pic>
+        <p:nvPicPr>
+          <p:cNvPr id="17" name="Imagem 16">
+            <a:extLst>
+              <a:ext uri="{FF2B5EF4-FFF2-40B4-BE49-F238E27FC236}">
+                <a16:creationId xmlns:a16="http://schemas.microsoft.com/office/drawing/2014/main" id="{CD15403A-D2A8-4610-8C4B-01BE056C578B}"/>
+              </a:ext>
+            </a:extLst>
+          </p:cNvPr>
+          <p:cNvPicPr>
+            <a:picLocks noChangeAspect="1"/>
+          </p:cNvPicPr>
+          <p:nvPr/>
+        </p:nvPicPr>
+        <p:blipFill>
+          <a:blip r:embed="rId4">
+            <a:lum bright="70000" contrast="-70000"/>
+            <a:extLst>
+              <a:ext uri="{28A0092B-C50C-407E-A947-70E740481C1C}">
+                <a14:useLocalDpi xmlns:a14="http://schemas.microsoft.com/office/drawing/2010/main" val="0"/>
+              </a:ext>
+            </a:extLst>
+          </a:blip>
+          <a:stretch>
+            <a:fillRect/>
+          </a:stretch>
+        </p:blipFill>
+        <p:spPr>
+          <a:xfrm>
+            <a:off x="3363833" y="2735779"/>
+            <a:ext cx="2276533" cy="2276533"/>
+          </a:xfrm>
+          <a:prstGeom prst="rect">
+            <a:avLst/>
+          </a:prstGeom>
+        </p:spPr>
+      </p:pic>
+      <p:sp>
+        <p:nvSpPr>
+          <p:cNvPr id="18" name="CaixaDeTexto 17">
+            <a:extLst>
+              <a:ext uri="{FF2B5EF4-FFF2-40B4-BE49-F238E27FC236}">
+                <a16:creationId xmlns:a16="http://schemas.microsoft.com/office/drawing/2014/main" id="{8D7CB09B-85CC-4969-AFB7-CB14DD05ED0C}"/>
+              </a:ext>
+            </a:extLst>
+          </p:cNvPr>
+          <p:cNvSpPr txBox="1"/>
+          <p:nvPr/>
+        </p:nvSpPr>
+        <p:spPr>
+          <a:xfrm>
+            <a:off x="2893327" y="2213517"/>
+            <a:ext cx="3217547" cy="646331"/>
+          </a:xfrm>
+          <a:prstGeom prst="rect">
+            <a:avLst/>
+          </a:prstGeom>
+          <a:noFill/>
+        </p:spPr>
+        <p:txBody>
+          <a:bodyPr wrap="none" rtlCol="0">
+            <a:spAutoFit/>
+          </a:bodyPr>
+          <a:lstStyle/>
+          <a:p>
+            <a:pPr algn="ctr"/>
+            <a:r>
+              <a:rPr lang="pt-BR" b="1" dirty="0">
+                <a:solidFill>
+                  <a:schemeClr val="bg1"/>
+                </a:solidFill>
+                <a:latin typeface="Segoe UI Black" panose="020B0A02040204020203" pitchFamily="34" charset="0"/>
+                <a:ea typeface="Segoe UI Black" panose="020B0A02040204020203" pitchFamily="34" charset="0"/>
+              </a:rPr>
+              <a:t>PROCESSO / DOCUMENTO </a:t>
+            </a:r>
+          </a:p>
+          <a:p>
+            <a:pPr algn="ctr"/>
+            <a:r>
+              <a:rPr lang="pt-BR" b="1" dirty="0">
+                <a:solidFill>
+                  <a:schemeClr val="bg1"/>
+                </a:solidFill>
+                <a:latin typeface="Segoe UI Black" panose="020B0A02040204020203" pitchFamily="34" charset="0"/>
+                <a:ea typeface="Segoe UI Black" panose="020B0A02040204020203" pitchFamily="34" charset="0"/>
+              </a:rPr>
+              <a:t>ÚNICO</a:t>
+            </a:r>
+          </a:p>
+        </p:txBody>
+      </p:sp>
+      <p:pic>
+        <p:nvPicPr>
+          <p:cNvPr id="22" name="Imagem 21">
+            <a:extLst>
+              <a:ext uri="{FF2B5EF4-FFF2-40B4-BE49-F238E27FC236}">
+                <a16:creationId xmlns:a16="http://schemas.microsoft.com/office/drawing/2014/main" id="{A75620B9-ADA5-4875-B5E0-5B26A6C1BED7}"/>
+              </a:ext>
+            </a:extLst>
+          </p:cNvPr>
+          <p:cNvPicPr>
+            <a:picLocks noChangeAspect="1"/>
+          </p:cNvPicPr>
+          <p:nvPr/>
+        </p:nvPicPr>
+        <p:blipFill>
+          <a:blip r:embed="rId5">
+            <a:duotone>
+              <a:schemeClr val="bg2">
+                <a:shade val="45000"/>
+                <a:satMod val="135000"/>
+              </a:schemeClr>
+              <a:prstClr val="white"/>
+            </a:duotone>
+            <a:extLst>
+              <a:ext uri="{BEBA8EAE-BF5A-486C-A8C5-ECC9F3942E4B}">
+                <a14:imgProps xmlns:a14="http://schemas.microsoft.com/office/drawing/2010/main">
+                  <a14:imgLayer r:embed="rId6">
+                    <a14:imgEffect>
+                      <a14:artisticPhotocopy/>
+                    </a14:imgEffect>
+                  </a14:imgLayer>
+                </a14:imgProps>
+              </a:ext>
+              <a:ext uri="{28A0092B-C50C-407E-A947-70E740481C1C}">
+                <a14:useLocalDpi xmlns:a14="http://schemas.microsoft.com/office/drawing/2010/main" val="0"/>
+              </a:ext>
+            </a:extLst>
+          </a:blip>
+          <a:stretch>
+            <a:fillRect/>
+          </a:stretch>
+        </p:blipFill>
+        <p:spPr>
+          <a:xfrm>
+            <a:off x="6467922" y="2632662"/>
+            <a:ext cx="2276533" cy="2276533"/>
+          </a:xfrm>
+          <a:prstGeom prst="rect">
+            <a:avLst/>
+          </a:prstGeom>
+        </p:spPr>
+      </p:pic>
+      <p:sp>
+        <p:nvSpPr>
+          <p:cNvPr id="24" name="CaixaDeTexto 23">
+            <a:extLst>
+              <a:ext uri="{FF2B5EF4-FFF2-40B4-BE49-F238E27FC236}">
+                <a16:creationId xmlns:a16="http://schemas.microsoft.com/office/drawing/2014/main" id="{40A1761D-C6F4-4A7F-90CD-A7E9AFDDB405}"/>
+              </a:ext>
+            </a:extLst>
+          </p:cNvPr>
+          <p:cNvSpPr txBox="1"/>
+          <p:nvPr/>
+        </p:nvSpPr>
+        <p:spPr>
+          <a:xfrm>
+            <a:off x="6110874" y="2317914"/>
+            <a:ext cx="3020379" cy="369332"/>
+          </a:xfrm>
+          <a:prstGeom prst="rect">
+            <a:avLst/>
+          </a:prstGeom>
+          <a:noFill/>
+        </p:spPr>
+        <p:txBody>
+          <a:bodyPr wrap="none" rtlCol="0">
+            <a:spAutoFit/>
+          </a:bodyPr>
+          <a:lstStyle/>
+          <a:p>
+            <a:r>
+              <a:rPr lang="pt-BR" b="1" dirty="0">
+                <a:solidFill>
+                  <a:schemeClr val="bg1"/>
+                </a:solidFill>
+                <a:latin typeface="Segoe UI Black" panose="020B0A02040204020203" pitchFamily="34" charset="0"/>
+                <a:ea typeface="Segoe UI Black" panose="020B0A02040204020203" pitchFamily="34" charset="0"/>
+              </a:rPr>
+              <a:t>OTIMIZAÇÃO DO TEMPO</a:t>
+            </a:r>
+          </a:p>
+        </p:txBody>
+      </p:sp>
+      <p:pic>
+        <p:nvPicPr>
+          <p:cNvPr id="25" name="Imagem 24">
+            <a:extLst>
+              <a:ext uri="{FF2B5EF4-FFF2-40B4-BE49-F238E27FC236}">
+                <a16:creationId xmlns:a16="http://schemas.microsoft.com/office/drawing/2014/main" id="{F78D6D55-835F-4DC0-AF9B-0BCBDA7E0573}"/>
+              </a:ext>
+            </a:extLst>
+          </p:cNvPr>
+          <p:cNvPicPr>
+            <a:picLocks noChangeAspect="1"/>
+          </p:cNvPicPr>
+          <p:nvPr/>
+        </p:nvPicPr>
+        <p:blipFill>
+          <a:blip r:embed="rId7">
+            <a:lum bright="70000" contrast="-70000"/>
+            <a:extLst>
+              <a:ext uri="{28A0092B-C50C-407E-A947-70E740481C1C}">
+                <a14:useLocalDpi xmlns:a14="http://schemas.microsoft.com/office/drawing/2010/main" val="0"/>
+              </a:ext>
+            </a:extLst>
+          </a:blip>
+          <a:stretch>
+            <a:fillRect/>
+          </a:stretch>
+        </p:blipFill>
+        <p:spPr>
+          <a:xfrm>
+            <a:off x="9628218" y="2810612"/>
+            <a:ext cx="1858129" cy="1858129"/>
+          </a:xfrm>
+          <a:prstGeom prst="rect">
+            <a:avLst/>
+          </a:prstGeom>
+        </p:spPr>
+      </p:pic>
+      <p:sp>
+        <p:nvSpPr>
+          <p:cNvPr id="26" name="CaixaDeTexto 25">
+            <a:extLst>
+              <a:ext uri="{FF2B5EF4-FFF2-40B4-BE49-F238E27FC236}">
+                <a16:creationId xmlns:a16="http://schemas.microsoft.com/office/drawing/2014/main" id="{550CCC97-90CB-44DD-AE06-F76D06404D85}"/>
+              </a:ext>
+            </a:extLst>
+          </p:cNvPr>
+          <p:cNvSpPr txBox="1"/>
+          <p:nvPr/>
+        </p:nvSpPr>
+        <p:spPr>
+          <a:xfrm>
+            <a:off x="9328421" y="2164281"/>
+            <a:ext cx="2457724" cy="646331"/>
+          </a:xfrm>
+          <a:prstGeom prst="rect">
+            <a:avLst/>
+          </a:prstGeom>
+          <a:noFill/>
+        </p:spPr>
+        <p:txBody>
+          <a:bodyPr wrap="none" rtlCol="0">
+            <a:spAutoFit/>
+          </a:bodyPr>
+          <a:lstStyle/>
+          <a:p>
+            <a:pPr algn="ctr"/>
+            <a:r>
+              <a:rPr lang="pt-BR" b="1" dirty="0">
+                <a:solidFill>
+                  <a:schemeClr val="bg1"/>
+                </a:solidFill>
+                <a:latin typeface="Segoe UI Black" panose="020B0A02040204020203" pitchFamily="34" charset="0"/>
+                <a:ea typeface="Segoe UI Black" panose="020B0A02040204020203" pitchFamily="34" charset="0"/>
+              </a:rPr>
+              <a:t>NÃO É UM SISTEMA</a:t>
+            </a:r>
+          </a:p>
+          <a:p>
+            <a:pPr algn="ctr"/>
+            <a:r>
+              <a:rPr lang="pt-BR" b="1" dirty="0">
+                <a:solidFill>
+                  <a:schemeClr val="bg1"/>
+                </a:solidFill>
+                <a:latin typeface="Segoe UI Black" panose="020B0A02040204020203" pitchFamily="34" charset="0"/>
+                <a:ea typeface="Segoe UI Black" panose="020B0A02040204020203" pitchFamily="34" charset="0"/>
+              </a:rPr>
+              <a:t>É UMA REDE</a:t>
+            </a:r>
+          </a:p>
+        </p:txBody>
+      </p:sp>
+    </p:spTree>
+    <p:extLst>
+      <p:ext uri="{BB962C8B-B14F-4D97-AF65-F5344CB8AC3E}">
+        <p14:creationId xmlns:p14="http://schemas.microsoft.com/office/powerpoint/2010/main" val="159535374"/>
+      </p:ext>
+    </p:extLst>
+  </p:cSld>
+  <p:clrMapOvr>
+    <a:masterClrMapping/>
+  </p:clrMapOvr>
+</p:sld>
+</file>
+
+<file path=ppt/slides/slide6.xml><?xml version="1.0" encoding="utf-8"?>
+<p:sld xmlns:a="http://schemas.openxmlformats.org/drawingml/2006/main" xmlns:r="http://schemas.openxmlformats.org/officeDocument/2006/relationships" xmlns:p="http://schemas.openxmlformats.org/presentationml/2006/main">
+  <p:cSld>
+    <p:spTree>
+      <p:nvGrpSpPr>
+        <p:cNvPr id="1" name=""/>
+        <p:cNvGrpSpPr/>
+        <p:nvPr/>
+      </p:nvGrpSpPr>
+      <p:grpSpPr>
+        <a:xfrm>
+          <a:off x="0" y="0"/>
+          <a:ext cx="0" cy="0"/>
+          <a:chOff x="0" y="0"/>
+          <a:chExt cx="0" cy="0"/>
+        </a:xfrm>
+      </p:grpSpPr>
+      <p:sp>
+        <p:nvSpPr>
+          <p:cNvPr id="6" name="CaixaDeTexto 5">
+            <a:extLst>
+              <a:ext uri="{FF2B5EF4-FFF2-40B4-BE49-F238E27FC236}">
+                <a16:creationId xmlns:a16="http://schemas.microsoft.com/office/drawing/2014/main" id="{627C9D15-8B6E-4B97-A265-007A279C8807}"/>
+              </a:ext>
+            </a:extLst>
+          </p:cNvPr>
+          <p:cNvSpPr txBox="1"/>
+          <p:nvPr/>
+        </p:nvSpPr>
+        <p:spPr>
+          <a:xfrm>
+            <a:off x="215348" y="193007"/>
+            <a:ext cx="11773451" cy="646331"/>
+          </a:xfrm>
+          <a:prstGeom prst="rect">
+            <a:avLst/>
+          </a:prstGeom>
+          <a:noFill/>
+        </p:spPr>
+        <p:txBody>
+          <a:bodyPr wrap="square" rtlCol="0">
+            <a:spAutoFit/>
+          </a:bodyPr>
+          <a:lstStyle/>
+          <a:p>
+            <a:r>
+              <a:rPr lang="pt-BR" sz="3600" dirty="0">
+                <a:solidFill>
+                  <a:schemeClr val="bg1"/>
+                </a:solidFill>
+                <a:latin typeface="Segoe UI Black" panose="020B0A02040204020203" pitchFamily="34" charset="0"/>
+                <a:ea typeface="Segoe UI Black" panose="020B0A02040204020203" pitchFamily="34" charset="0"/>
+              </a:rPr>
+              <a:t>COMO RESOLVER O PROBLEMA:</a:t>
+            </a:r>
+          </a:p>
+        </p:txBody>
+      </p:sp>
+      <p:sp>
+        <p:nvSpPr>
+          <p:cNvPr id="15" name="CaixaDeTexto 14">
+            <a:extLst>
+              <a:ext uri="{FF2B5EF4-FFF2-40B4-BE49-F238E27FC236}">
+                <a16:creationId xmlns:a16="http://schemas.microsoft.com/office/drawing/2014/main" id="{5FE169A7-814F-4FAC-9E53-94E295039282}"/>
+              </a:ext>
+            </a:extLst>
+          </p:cNvPr>
+          <p:cNvSpPr txBox="1"/>
+          <p:nvPr/>
+        </p:nvSpPr>
+        <p:spPr>
+          <a:xfrm>
+            <a:off x="454927" y="2179415"/>
+            <a:ext cx="2183611" cy="646331"/>
+          </a:xfrm>
+          <a:prstGeom prst="rect">
+            <a:avLst/>
+          </a:prstGeom>
+          <a:noFill/>
+        </p:spPr>
+        <p:txBody>
+          <a:bodyPr wrap="none" rtlCol="0">
+            <a:spAutoFit/>
+          </a:bodyPr>
+          <a:lstStyle/>
+          <a:p>
+            <a:pPr algn="ctr"/>
+            <a:r>
+              <a:rPr lang="pt-BR" b="1" dirty="0">
+                <a:solidFill>
+                  <a:schemeClr val="bg1"/>
+                </a:solidFill>
+                <a:latin typeface="Segoe UI Black" panose="020B0A02040204020203" pitchFamily="34" charset="0"/>
+                <a:ea typeface="Segoe UI Black" panose="020B0A02040204020203" pitchFamily="34" charset="0"/>
+              </a:rPr>
+              <a:t>CRIAR UMA REDE</a:t>
+            </a:r>
+          </a:p>
+          <a:p>
+            <a:pPr algn="ctr"/>
+            <a:r>
+              <a:rPr lang="pt-BR" b="1" dirty="0">
+                <a:solidFill>
+                  <a:schemeClr val="bg1"/>
+                </a:solidFill>
+                <a:latin typeface="Segoe UI Black" panose="020B0A02040204020203" pitchFamily="34" charset="0"/>
+                <a:ea typeface="Segoe UI Black" panose="020B0A02040204020203" pitchFamily="34" charset="0"/>
+              </a:rPr>
+              <a:t>BLOCKCHAIN</a:t>
+            </a:r>
+          </a:p>
+        </p:txBody>
+      </p:sp>
+      <p:pic>
+        <p:nvPicPr>
+          <p:cNvPr id="12" name="Imagem 11">
+            <a:extLst>
+              <a:ext uri="{FF2B5EF4-FFF2-40B4-BE49-F238E27FC236}">
+                <a16:creationId xmlns:a16="http://schemas.microsoft.com/office/drawing/2014/main" id="{D687F594-6C49-4B3B-A89E-902022E28639}"/>
+              </a:ext>
+            </a:extLst>
+          </p:cNvPr>
+          <p:cNvPicPr>
+            <a:picLocks noChangeAspect="1"/>
+          </p:cNvPicPr>
+          <p:nvPr/>
+        </p:nvPicPr>
+        <p:blipFill>
+          <a:blip r:embed="rId3">
+            <a:duotone>
+              <a:prstClr val="black"/>
+              <a:schemeClr val="accent2">
+                <a:tint val="45000"/>
+                <a:satMod val="400000"/>
+              </a:schemeClr>
+            </a:duotone>
+            <a:extLst>
+              <a:ext uri="{28A0092B-C50C-407E-A947-70E740481C1C}">
+                <a14:useLocalDpi xmlns:a14="http://schemas.microsoft.com/office/drawing/2010/main" val="0"/>
+              </a:ext>
+            </a:extLst>
+          </a:blip>
+          <a:stretch>
+            <a:fillRect/>
+          </a:stretch>
+        </p:blipFill>
+        <p:spPr>
+          <a:xfrm>
+            <a:off x="284890" y="2764911"/>
+            <a:ext cx="2438400" cy="2438400"/>
+          </a:xfrm>
+          <a:prstGeom prst="rect">
+            <a:avLst/>
+          </a:prstGeom>
+        </p:spPr>
+      </p:pic>
+      <p:sp>
+        <p:nvSpPr>
+          <p:cNvPr id="2" name="CaixaDeTexto 1">
+            <a:extLst>
+              <a:ext uri="{FF2B5EF4-FFF2-40B4-BE49-F238E27FC236}">
+                <a16:creationId xmlns:a16="http://schemas.microsoft.com/office/drawing/2014/main" id="{82F12369-0C53-4B90-9480-513552D51F97}"/>
+              </a:ext>
+            </a:extLst>
+          </p:cNvPr>
+          <p:cNvSpPr txBox="1"/>
+          <p:nvPr/>
+        </p:nvSpPr>
+        <p:spPr>
+          <a:xfrm>
+            <a:off x="2723290" y="3042722"/>
+            <a:ext cx="1064715" cy="1569660"/>
+          </a:xfrm>
+          <a:prstGeom prst="rect">
+            <a:avLst/>
+          </a:prstGeom>
+          <a:noFill/>
+        </p:spPr>
+        <p:txBody>
+          <a:bodyPr wrap="square" rtlCol="0">
+            <a:spAutoFit/>
+          </a:bodyPr>
+          <a:lstStyle/>
+          <a:p>
+            <a:r>
+              <a:rPr lang="pt-BR" sz="9600" dirty="0">
+                <a:solidFill>
+                  <a:schemeClr val="bg1"/>
+                </a:solidFill>
+                <a:latin typeface="+mj-lt"/>
+              </a:rPr>
+              <a:t>=</a:t>
+            </a:r>
+          </a:p>
+        </p:txBody>
+      </p:sp>
+      <p:pic>
+        <p:nvPicPr>
+          <p:cNvPr id="17" name="Imagem 16">
+            <a:extLst>
+              <a:ext uri="{FF2B5EF4-FFF2-40B4-BE49-F238E27FC236}">
+                <a16:creationId xmlns:a16="http://schemas.microsoft.com/office/drawing/2014/main" id="{CD15403A-D2A8-4610-8C4B-01BE056C578B}"/>
+              </a:ext>
+            </a:extLst>
+          </p:cNvPr>
+          <p:cNvPicPr>
+            <a:picLocks noChangeAspect="1"/>
+          </p:cNvPicPr>
+          <p:nvPr/>
+        </p:nvPicPr>
+        <p:blipFill>
+          <a:blip r:embed="rId4">
+            <a:lum bright="70000" contrast="-70000"/>
+            <a:extLst>
+              <a:ext uri="{28A0092B-C50C-407E-A947-70E740481C1C}">
+                <a14:useLocalDpi xmlns:a14="http://schemas.microsoft.com/office/drawing/2010/main" val="0"/>
+              </a:ext>
+            </a:extLst>
+          </a:blip>
+          <a:stretch>
+            <a:fillRect/>
+          </a:stretch>
+        </p:blipFill>
+        <p:spPr>
+          <a:xfrm>
+            <a:off x="3363833" y="2735779"/>
+            <a:ext cx="2276533" cy="2276533"/>
+          </a:xfrm>
+          <a:prstGeom prst="rect">
+            <a:avLst/>
+          </a:prstGeom>
+        </p:spPr>
+      </p:pic>
+      <p:sp>
+        <p:nvSpPr>
+          <p:cNvPr id="18" name="CaixaDeTexto 17">
+            <a:extLst>
+              <a:ext uri="{FF2B5EF4-FFF2-40B4-BE49-F238E27FC236}">
+                <a16:creationId xmlns:a16="http://schemas.microsoft.com/office/drawing/2014/main" id="{8D7CB09B-85CC-4969-AFB7-CB14DD05ED0C}"/>
+              </a:ext>
+            </a:extLst>
+          </p:cNvPr>
+          <p:cNvSpPr txBox="1"/>
+          <p:nvPr/>
+        </p:nvSpPr>
+        <p:spPr>
+          <a:xfrm>
+            <a:off x="2893327" y="2213517"/>
+            <a:ext cx="3217547" cy="646331"/>
+          </a:xfrm>
+          <a:prstGeom prst="rect">
+            <a:avLst/>
+          </a:prstGeom>
+          <a:noFill/>
+        </p:spPr>
+        <p:txBody>
+          <a:bodyPr wrap="none" rtlCol="0">
+            <a:spAutoFit/>
+          </a:bodyPr>
+          <a:lstStyle/>
+          <a:p>
+            <a:pPr algn="ctr"/>
+            <a:r>
+              <a:rPr lang="pt-BR" b="1" dirty="0">
+                <a:solidFill>
+                  <a:schemeClr val="bg1"/>
+                </a:solidFill>
+                <a:latin typeface="Segoe UI Black" panose="020B0A02040204020203" pitchFamily="34" charset="0"/>
+                <a:ea typeface="Segoe UI Black" panose="020B0A02040204020203" pitchFamily="34" charset="0"/>
+              </a:rPr>
+              <a:t>PROCESSO / DOCUMENTO </a:t>
+            </a:r>
+          </a:p>
+          <a:p>
+            <a:pPr algn="ctr"/>
+            <a:r>
+              <a:rPr lang="pt-BR" b="1" dirty="0">
+                <a:solidFill>
+                  <a:schemeClr val="bg1"/>
+                </a:solidFill>
+                <a:latin typeface="Segoe UI Black" panose="020B0A02040204020203" pitchFamily="34" charset="0"/>
+                <a:ea typeface="Segoe UI Black" panose="020B0A02040204020203" pitchFamily="34" charset="0"/>
+              </a:rPr>
+              <a:t>ÚNICO</a:t>
+            </a:r>
+          </a:p>
+        </p:txBody>
+      </p:sp>
+      <p:pic>
+        <p:nvPicPr>
+          <p:cNvPr id="22" name="Imagem 21">
+            <a:extLst>
+              <a:ext uri="{FF2B5EF4-FFF2-40B4-BE49-F238E27FC236}">
+                <a16:creationId xmlns:a16="http://schemas.microsoft.com/office/drawing/2014/main" id="{A75620B9-ADA5-4875-B5E0-5B26A6C1BED7}"/>
+              </a:ext>
+            </a:extLst>
+          </p:cNvPr>
+          <p:cNvPicPr>
+            <a:picLocks noChangeAspect="1"/>
+          </p:cNvPicPr>
+          <p:nvPr/>
+        </p:nvPicPr>
+        <p:blipFill>
+          <a:blip r:embed="rId5">
+            <a:duotone>
+              <a:schemeClr val="bg2">
+                <a:shade val="45000"/>
+                <a:satMod val="135000"/>
+              </a:schemeClr>
+              <a:prstClr val="white"/>
+            </a:duotone>
+            <a:extLst>
+              <a:ext uri="{BEBA8EAE-BF5A-486C-A8C5-ECC9F3942E4B}">
+                <a14:imgProps xmlns:a14="http://schemas.microsoft.com/office/drawing/2010/main">
+                  <a14:imgLayer r:embed="rId6">
+                    <a14:imgEffect>
+                      <a14:artisticPhotocopy/>
+                    </a14:imgEffect>
+                  </a14:imgLayer>
+                </a14:imgProps>
+              </a:ext>
+              <a:ext uri="{28A0092B-C50C-407E-A947-70E740481C1C}">
+                <a14:useLocalDpi xmlns:a14="http://schemas.microsoft.com/office/drawing/2010/main" val="0"/>
+              </a:ext>
+            </a:extLst>
+          </a:blip>
+          <a:stretch>
+            <a:fillRect/>
+          </a:stretch>
+        </p:blipFill>
+        <p:spPr>
+          <a:xfrm>
+            <a:off x="6467922" y="2632662"/>
+            <a:ext cx="2276533" cy="2276533"/>
+          </a:xfrm>
+          <a:prstGeom prst="rect">
+            <a:avLst/>
+          </a:prstGeom>
+        </p:spPr>
+      </p:pic>
+      <p:sp>
+        <p:nvSpPr>
+          <p:cNvPr id="24" name="CaixaDeTexto 23">
+            <a:extLst>
+              <a:ext uri="{FF2B5EF4-FFF2-40B4-BE49-F238E27FC236}">
+                <a16:creationId xmlns:a16="http://schemas.microsoft.com/office/drawing/2014/main" id="{40A1761D-C6F4-4A7F-90CD-A7E9AFDDB405}"/>
+              </a:ext>
+            </a:extLst>
+          </p:cNvPr>
+          <p:cNvSpPr txBox="1"/>
+          <p:nvPr/>
+        </p:nvSpPr>
+        <p:spPr>
+          <a:xfrm>
+            <a:off x="6110874" y="2317914"/>
+            <a:ext cx="3020379" cy="369332"/>
+          </a:xfrm>
+          <a:prstGeom prst="rect">
+            <a:avLst/>
+          </a:prstGeom>
+          <a:noFill/>
+        </p:spPr>
+        <p:txBody>
+          <a:bodyPr wrap="none" rtlCol="0">
+            <a:spAutoFit/>
+          </a:bodyPr>
+          <a:lstStyle/>
+          <a:p>
+            <a:r>
+              <a:rPr lang="pt-BR" b="1" dirty="0">
+                <a:solidFill>
+                  <a:schemeClr val="bg1"/>
+                </a:solidFill>
+                <a:latin typeface="Segoe UI Black" panose="020B0A02040204020203" pitchFamily="34" charset="0"/>
+                <a:ea typeface="Segoe UI Black" panose="020B0A02040204020203" pitchFamily="34" charset="0"/>
+              </a:rPr>
+              <a:t>OTIMIZAÇÃO DO TEMPO</a:t>
+            </a:r>
+          </a:p>
+        </p:txBody>
+      </p:sp>
+      <p:pic>
+        <p:nvPicPr>
+          <p:cNvPr id="25" name="Imagem 24">
+            <a:extLst>
+              <a:ext uri="{FF2B5EF4-FFF2-40B4-BE49-F238E27FC236}">
+                <a16:creationId xmlns:a16="http://schemas.microsoft.com/office/drawing/2014/main" id="{F78D6D55-835F-4DC0-AF9B-0BCBDA7E0573}"/>
+              </a:ext>
+            </a:extLst>
+          </p:cNvPr>
+          <p:cNvPicPr>
+            <a:picLocks noChangeAspect="1"/>
+          </p:cNvPicPr>
+          <p:nvPr/>
+        </p:nvPicPr>
+        <p:blipFill>
+          <a:blip r:embed="rId7">
+            <a:lum bright="70000" contrast="-70000"/>
+            <a:extLst>
+              <a:ext uri="{28A0092B-C50C-407E-A947-70E740481C1C}">
+                <a14:useLocalDpi xmlns:a14="http://schemas.microsoft.com/office/drawing/2010/main" val="0"/>
+              </a:ext>
+            </a:extLst>
+          </a:blip>
+          <a:stretch>
+            <a:fillRect/>
+          </a:stretch>
+        </p:blipFill>
+        <p:spPr>
+          <a:xfrm>
+            <a:off x="9628218" y="2810612"/>
+            <a:ext cx="1858129" cy="1858129"/>
+          </a:xfrm>
+          <a:prstGeom prst="rect">
+            <a:avLst/>
+          </a:prstGeom>
+        </p:spPr>
+      </p:pic>
+      <p:sp>
+        <p:nvSpPr>
+          <p:cNvPr id="26" name="CaixaDeTexto 25">
+            <a:extLst>
+              <a:ext uri="{FF2B5EF4-FFF2-40B4-BE49-F238E27FC236}">
+                <a16:creationId xmlns:a16="http://schemas.microsoft.com/office/drawing/2014/main" id="{550CCC97-90CB-44DD-AE06-F76D06404D85}"/>
+              </a:ext>
+            </a:extLst>
+          </p:cNvPr>
+          <p:cNvSpPr txBox="1"/>
+          <p:nvPr/>
+        </p:nvSpPr>
+        <p:spPr>
+          <a:xfrm>
+            <a:off x="9328421" y="2164281"/>
+            <a:ext cx="2457724" cy="646331"/>
+          </a:xfrm>
+          <a:prstGeom prst="rect">
+            <a:avLst/>
+          </a:prstGeom>
+          <a:noFill/>
+        </p:spPr>
+        <p:txBody>
+          <a:bodyPr wrap="none" rtlCol="0">
+            <a:spAutoFit/>
+          </a:bodyPr>
+          <a:lstStyle/>
+          <a:p>
+            <a:pPr algn="ctr"/>
+            <a:r>
+              <a:rPr lang="pt-BR" b="1" dirty="0">
+                <a:solidFill>
+                  <a:schemeClr val="bg1"/>
+                </a:solidFill>
+                <a:latin typeface="Segoe UI Black" panose="020B0A02040204020203" pitchFamily="34" charset="0"/>
+                <a:ea typeface="Segoe UI Black" panose="020B0A02040204020203" pitchFamily="34" charset="0"/>
+              </a:rPr>
+              <a:t>NÃO É UM SISTEMA</a:t>
+            </a:r>
+          </a:p>
+          <a:p>
+            <a:pPr algn="ctr"/>
+            <a:r>
+              <a:rPr lang="pt-BR" b="1" dirty="0">
+                <a:solidFill>
+                  <a:schemeClr val="bg1"/>
+                </a:solidFill>
+                <a:latin typeface="Segoe UI Black" panose="020B0A02040204020203" pitchFamily="34" charset="0"/>
+                <a:ea typeface="Segoe UI Black" panose="020B0A02040204020203" pitchFamily="34" charset="0"/>
+              </a:rPr>
+              <a:t>É UMA REDE</a:t>
+            </a:r>
+          </a:p>
+        </p:txBody>
+      </p:sp>
+    </p:spTree>
+    <p:extLst>
+      <p:ext uri="{BB962C8B-B14F-4D97-AF65-F5344CB8AC3E}">
+        <p14:creationId xmlns:p14="http://schemas.microsoft.com/office/powerpoint/2010/main" val="2228073170"/>
+      </p:ext>
+    </p:extLst>
+  </p:cSld>
+  <p:clrMapOvr>
+    <a:masterClrMapping/>
+  </p:clrMapOvr>
+</p:sld>
+</file>
+
+<file path=ppt/slides/slide7.xml><?xml version="1.0" encoding="utf-8"?>
+<p:sld xmlns:a="http://schemas.openxmlformats.org/drawingml/2006/main" xmlns:r="http://schemas.openxmlformats.org/officeDocument/2006/relationships" xmlns:p="http://schemas.openxmlformats.org/presentationml/2006/main">
+  <p:cSld>
+    <p:spTree>
+      <p:nvGrpSpPr>
+        <p:cNvPr id="1" name=""/>
+        <p:cNvGrpSpPr/>
+        <p:nvPr/>
+      </p:nvGrpSpPr>
+      <p:grpSpPr>
+        <a:xfrm>
+          <a:off x="0" y="0"/>
+          <a:ext cx="0" cy="0"/>
+          <a:chOff x="0" y="0"/>
+          <a:chExt cx="0" cy="0"/>
+        </a:xfrm>
+      </p:grpSpPr>
+    </p:spTree>
+    <p:extLst>
+      <p:ext uri="{BB962C8B-B14F-4D97-AF65-F5344CB8AC3E}">
+        <p14:creationId xmlns:p14="http://schemas.microsoft.com/office/powerpoint/2010/main" val="2570638971"/>
+      </p:ext>
+    </p:extLst>
+  </p:cSld>
+  <p:clrMapOvr>
+    <a:masterClrMapping/>
+  </p:clrMapOvr>
+</p:sld>
+</file>
+
 <file path=ppt/theme/theme1.xml><?xml version="1.0" encoding="utf-8"?>
+<a:theme xmlns:a="http://schemas.openxmlformats.org/drawingml/2006/main" name="Tema do Office">
+  <a:themeElements>
+    <a:clrScheme name="Violeta II">
+      <a:dk1>
+        <a:sysClr val="windowText" lastClr="000000"/>
+      </a:dk1>
+      <a:lt1>
+        <a:sysClr val="window" lastClr="FFFFFF"/>
+      </a:lt1>
+      <a:dk2>
+        <a:srgbClr val="632E62"/>
+      </a:dk2>
+      <a:lt2>
+        <a:srgbClr val="EAE5EB"/>
+      </a:lt2>
+      <a:accent1>
+        <a:srgbClr val="92278F"/>
+      </a:accent1>
+      <a:accent2>
+        <a:srgbClr val="9B57D3"/>
+      </a:accent2>
+      <a:accent3>
+        <a:srgbClr val="755DD9"/>
+      </a:accent3>
+      <a:accent4>
+        <a:srgbClr val="665EB8"/>
+      </a:accent4>
+      <a:accent5>
+        <a:srgbClr val="45A5ED"/>
+      </a:accent5>
+      <a:accent6>
+        <a:srgbClr val="5982DB"/>
+      </a:accent6>
+      <a:hlink>
+        <a:srgbClr val="0066FF"/>
+      </a:hlink>
+      <a:folHlink>
+        <a:srgbClr val="666699"/>
+      </a:folHlink>
+    </a:clrScheme>
+    <a:fontScheme name="Personalizada 1">
+      <a:majorFont>
+        <a:latin typeface="Segoe UI Black"/>
+        <a:ea typeface=""/>
+        <a:cs typeface=""/>
+      </a:majorFont>
+      <a:minorFont>
+        <a:latin typeface="Segoe WP Black"/>
+        <a:ea typeface=""/>
+        <a:cs typeface=""/>
+      </a:minorFont>
+    </a:fontScheme>
+    <a:fmtScheme name="Office">
+      <a:fillStyleLst>
+        <a:solidFill>
+          <a:schemeClr val="phClr"/>
+        </a:solidFill>
+        <a:gradFill rotWithShape="1">
+          <a:gsLst>
+            <a:gs pos="0">
+              <a:schemeClr val="phClr">
+                <a:lumMod val="110000"/>
+                <a:satMod val="105000"/>
+                <a:tint val="67000"/>
+              </a:schemeClr>
+            </a:gs>
+            <a:gs pos="50000">
+              <a:schemeClr val="phClr">
+                <a:lumMod val="105000"/>
+                <a:satMod val="103000"/>
+                <a:tint val="73000"/>
+              </a:schemeClr>
+            </a:gs>
+            <a:gs pos="100000">
+              <a:schemeClr val="phClr">
+                <a:lumMod val="105000"/>
+                <a:satMod val="109000"/>
+                <a:tint val="81000"/>
+              </a:schemeClr>
+            </a:gs>
+          </a:gsLst>
+          <a:lin ang="5400000" scaled="0"/>
+        </a:gradFill>
+        <a:gradFill rotWithShape="1">
+          <a:gsLst>
+            <a:gs pos="0">
+              <a:schemeClr val="phClr">
+                <a:satMod val="103000"/>
+                <a:lumMod val="102000"/>
+                <a:tint val="94000"/>
+              </a:schemeClr>
+            </a:gs>
+            <a:gs pos="50000">
+              <a:schemeClr val="phClr">
+                <a:satMod val="110000"/>
+                <a:lumMod val="100000"/>
+                <a:shade val="100000"/>
+              </a:schemeClr>
+            </a:gs>
+            <a:gs pos="100000">
+              <a:schemeClr val="phClr">
+                <a:lumMod val="99000"/>
+                <a:satMod val="120000"/>
+                <a:shade val="78000"/>
+              </a:schemeClr>
+            </a:gs>
+          </a:gsLst>
+          <a:lin ang="5400000" scaled="0"/>
+        </a:gradFill>
+      </a:fillStyleLst>
+      <a:lnStyleLst>
+        <a:ln w="6350" cap="flat" cmpd="sng" algn="ctr">
+          <a:solidFill>
+            <a:schemeClr val="phClr"/>
+          </a:solidFill>
+          <a:prstDash val="solid"/>
+          <a:miter lim="800000"/>
+        </a:ln>
+        <a:ln w="12700" cap="flat" cmpd="sng" algn="ctr">
+          <a:solidFill>
+            <a:schemeClr val="phClr"/>
+          </a:solidFill>
+          <a:prstDash val="solid"/>
+          <a:miter lim="800000"/>
+        </a:ln>
+        <a:ln w="19050" cap="flat" cmpd="sng" algn="ctr">
+          <a:solidFill>
+            <a:schemeClr val="phClr"/>
+          </a:solidFill>
+          <a:prstDash val="solid"/>
+          <a:miter lim="800000"/>
+        </a:ln>
+      </a:lnStyleLst>
+      <a:effectStyleLst>
+        <a:effectStyle>
+          <a:effectLst/>
+        </a:effectStyle>
+        <a:effectStyle>
+          <a:effectLst/>
+        </a:effectStyle>
+        <a:effectStyle>
+          <a:effectLst>
+            <a:outerShdw blurRad="57150" dist="19050" dir="5400000" algn="ctr" rotWithShape="0">
+              <a:srgbClr val="000000">
+                <a:alpha val="63000"/>
+              </a:srgbClr>
+            </a:outerShdw>
+          </a:effectLst>
+        </a:effectStyle>
+      </a:effectStyleLst>
+      <a:bgFillStyleLst>
+        <a:solidFill>
+          <a:schemeClr val="phClr"/>
+        </a:solidFill>
+        <a:solidFill>
+          <a:schemeClr val="phClr">
+            <a:tint val="95000"/>
+            <a:satMod val="170000"/>
+          </a:schemeClr>
+        </a:solidFill>
+        <a:gradFill rotWithShape="1">
+          <a:gsLst>
+            <a:gs pos="0">
+              <a:schemeClr val="phClr">
+                <a:tint val="93000"/>
+                <a:satMod val="150000"/>
+                <a:shade val="98000"/>
+                <a:lumMod val="102000"/>
+              </a:schemeClr>
+            </a:gs>
+            <a:gs pos="50000">
+              <a:schemeClr val="phClr">
+                <a:tint val="98000"/>
+                <a:satMod val="130000"/>
+                <a:shade val="90000"/>
+                <a:lumMod val="103000"/>
+              </a:schemeClr>
+            </a:gs>
+            <a:gs pos="100000">
+              <a:schemeClr val="phClr">
+                <a:shade val="63000"/>
+                <a:satMod val="120000"/>
+              </a:schemeClr>
+            </a:gs>
+          </a:gsLst>
+          <a:lin ang="5400000" scaled="0"/>
+        </a:gradFill>
+      </a:bgFillStyleLst>
+    </a:fmtScheme>
+  </a:themeElements>
+  <a:objectDefaults/>
+  <a:extraClrSchemeLst/>
+  <a:extLst>
+    <a:ext uri="{05A4C25C-085E-4340-85A3-A5531E510DB2}">
+      <thm15:themeFamily xmlns:thm15="http://schemas.microsoft.com/office/thememl/2012/main" name="Office Theme" id="{62F939B6-93AF-4DB8-9C6B-D6C7DFDC589F}" vid="{4A3C46E8-61CC-4603-A589-7422A47A8E4A}"/>
+    </a:ext>
+  </a:extLst>
+</a:theme>
+</file>
+
+<file path=ppt/theme/theme2.xml><?xml version="1.0" encoding="utf-8"?>
 <a:theme xmlns:a="http://schemas.openxmlformats.org/drawingml/2006/main" name="Tema do Office">
   <a:themeElements>
     <a:clrScheme name="Office">
